--- a/slides/ppt/09_REST.pptx
+++ b/slides/ppt/09_REST.pptx
@@ -7,20 +7,20 @@
   <p:sldIdLst>
     <p:sldId id="256" r:id="rId2"/>
     <p:sldId id="294" r:id="rId3"/>
-    <p:sldId id="300" r:id="rId4"/>
-    <p:sldId id="298" r:id="rId5"/>
-    <p:sldId id="279" r:id="rId6"/>
-    <p:sldId id="295" r:id="rId7"/>
-    <p:sldId id="260" r:id="rId8"/>
-    <p:sldId id="299" r:id="rId9"/>
-    <p:sldId id="276" r:id="rId10"/>
-    <p:sldId id="277" r:id="rId11"/>
-    <p:sldId id="278" r:id="rId12"/>
-    <p:sldId id="285" r:id="rId13"/>
-    <p:sldId id="297" r:id="rId14"/>
-    <p:sldId id="286" r:id="rId15"/>
-    <p:sldId id="287" r:id="rId16"/>
-    <p:sldId id="288" r:id="rId17"/>
+    <p:sldId id="301" r:id="rId4"/>
+    <p:sldId id="300" r:id="rId5"/>
+    <p:sldId id="298" r:id="rId6"/>
+    <p:sldId id="279" r:id="rId7"/>
+    <p:sldId id="295" r:id="rId8"/>
+    <p:sldId id="302" r:id="rId9"/>
+    <p:sldId id="260" r:id="rId10"/>
+    <p:sldId id="299" r:id="rId11"/>
+    <p:sldId id="276" r:id="rId12"/>
+    <p:sldId id="277" r:id="rId13"/>
+    <p:sldId id="278" r:id="rId14"/>
+    <p:sldId id="285" r:id="rId15"/>
+    <p:sldId id="286" r:id="rId16"/>
+    <p:sldId id="287" r:id="rId17"/>
     <p:sldId id="282" r:id="rId18"/>
     <p:sldId id="283" r:id="rId19"/>
     <p:sldId id="284" r:id="rId20"/>
@@ -3194,7 +3194,7 @@
           <a:p>
             <a:r>
               <a:rPr lang="en-US" dirty="0"/>
-              <a:t>Representations</a:t>
+              <a:t>Resources</a:t>
             </a:r>
           </a:p>
         </p:txBody>
@@ -3211,44 +3211,385 @@
         </p:nvSpPr>
         <p:spPr/>
         <p:txBody>
-          <a:bodyPr/>
+          <a:bodyPr>
+            <a:noAutofit/>
+          </a:bodyPr>
           <a:lstStyle/>
           <a:p>
             <a:r>
-              <a:rPr lang="en-US" dirty="0"/>
-              <a:t>Once we have identified our resources, the next thing we need is to </a:t>
-            </a:r>
-            <a:r>
-              <a:rPr lang="en-US" dirty="0">
-                <a:solidFill>
-                  <a:srgbClr val="E46C0A"/>
-                </a:solidFill>
-              </a:rPr>
-              <a:t>find a way to represent these resources</a:t>
-            </a:r>
-            <a:r>
-              <a:rPr lang="en-US" dirty="0"/>
-              <a:t>. </a:t>
-            </a:r>
-          </a:p>
-          <a:p>
-            <a:r>
-              <a:rPr lang="en-US" dirty="0"/>
-              <a:t>You can use </a:t>
-            </a:r>
-            <a:r>
-              <a:rPr lang="en-US" dirty="0">
+              <a:rPr lang="en-US" sz="2400" dirty="0">
                 <a:solidFill>
                   <a:schemeClr val="accent6">
                     <a:lumMod val="75000"/>
                   </a:schemeClr>
                 </a:solidFill>
               </a:rPr>
+              <a:t>Resources are identified with specific URLs</a:t>
+            </a:r>
+          </a:p>
+          <a:p>
+            <a:r>
+              <a:rPr lang="en-US" sz="2400" dirty="0"/>
+              <a:t>Format: https://</a:t>
+            </a:r>
+            <a:r>
+              <a:rPr lang="en-US" sz="2400" dirty="0" err="1"/>
+              <a:t>servicename</a:t>
+            </a:r>
+            <a:r>
+              <a:rPr lang="en-US" sz="2400" dirty="0"/>
+              <a:t>/</a:t>
+            </a:r>
+            <a:r>
+              <a:rPr lang="en-US" sz="2400" dirty="0" err="1"/>
+              <a:t>apiversion</a:t>
+            </a:r>
+            <a:r>
+              <a:rPr lang="en-US" sz="2400" dirty="0"/>
+              <a:t>/resource/</a:t>
+            </a:r>
+            <a:r>
+              <a:rPr lang="en-US" sz="2400" dirty="0" err="1"/>
+              <a:t>id|service</a:t>
+            </a:r>
+            <a:endParaRPr lang="en-US" sz="2400" dirty="0"/>
+          </a:p>
+          <a:p>
+            <a:r>
+              <a:rPr lang="en-US" sz="2400" dirty="0"/>
+              <a:t>For example:</a:t>
+            </a:r>
+          </a:p>
+          <a:p>
+            <a:pPr lvl="1"/>
+            <a:r>
+              <a:rPr lang="en-US" sz="2400" dirty="0"/>
+              <a:t>Place details https://</a:t>
+            </a:r>
+            <a:r>
+              <a:rPr lang="en-US" sz="2400" dirty="0" err="1"/>
+              <a:t>api.foursquare.com</a:t>
+            </a:r>
+            <a:r>
+              <a:rPr lang="en-US" sz="2400" dirty="0"/>
+              <a:t>/v2/venues/VENUE_ID</a:t>
+            </a:r>
+          </a:p>
+          <a:p>
+            <a:pPr lvl="1"/>
+            <a:r>
+              <a:rPr lang="en-US" sz="2400" dirty="0"/>
+              <a:t>Photos details https://</a:t>
+            </a:r>
+            <a:r>
+              <a:rPr lang="en-US" sz="2400" dirty="0" err="1"/>
+              <a:t>api.foursquare.com</a:t>
+            </a:r>
+            <a:r>
+              <a:rPr lang="en-US" sz="2400" dirty="0"/>
+              <a:t>/v2/photos/PHOTO_ID</a:t>
+            </a:r>
+          </a:p>
+          <a:p>
+            <a:pPr lvl="1"/>
+            <a:r>
+              <a:rPr lang="en-US" sz="2400" dirty="0"/>
+              <a:t>Search for a user https://</a:t>
+            </a:r>
+            <a:r>
+              <a:rPr lang="en-US" sz="2400" dirty="0" err="1"/>
+              <a:t>api.foursquare.com</a:t>
+            </a:r>
+            <a:r>
+              <a:rPr lang="en-US" sz="2400" dirty="0"/>
+              <a:t>/v2/users/search</a:t>
+            </a:r>
+          </a:p>
+          <a:p>
+            <a:pPr lvl="1"/>
+            <a:r>
+              <a:rPr lang="en-US" sz="2400" dirty="0"/>
+              <a:t>Recent </a:t>
+            </a:r>
+            <a:r>
+              <a:rPr lang="en-US" sz="2400" dirty="0" err="1"/>
+              <a:t>checkins</a:t>
+            </a:r>
+            <a:r>
+              <a:rPr lang="en-US" sz="2400" dirty="0"/>
+              <a:t> by friends https://api.foursquare.com/v2/checkins/recent</a:t>
+            </a:r>
+          </a:p>
+          <a:p>
+            <a:pPr marL="0" indent="0">
+              <a:buNone/>
+            </a:pPr>
+            <a:endParaRPr lang="en-US" sz="2400" dirty="0"/>
+          </a:p>
+          <a:p>
+            <a:pPr marL="0" indent="0">
+              <a:buNone/>
+            </a:pPr>
+            <a:endParaRPr lang="en-US" sz="2400" dirty="0"/>
+          </a:p>
+          <a:p>
+            <a:pPr marL="0" indent="0">
+              <a:buNone/>
+            </a:pPr>
+            <a:endParaRPr lang="en-US" sz="2400" dirty="0"/>
+          </a:p>
+          <a:p>
+            <a:pPr marL="0" indent="0">
+              <a:buNone/>
+            </a:pPr>
+            <a:endParaRPr lang="en-US" sz="2400" dirty="0"/>
+          </a:p>
+          <a:p>
+            <a:pPr marL="0" indent="0">
+              <a:buNone/>
+            </a:pPr>
+            <a:endParaRPr lang="en-US" sz="2400" dirty="0"/>
+          </a:p>
+        </p:txBody>
+      </p:sp>
+    </p:spTree>
+    <p:extLst>
+      <p:ext uri="{BB962C8B-B14F-4D97-AF65-F5344CB8AC3E}">
+        <p14:creationId xmlns:p14="http://schemas.microsoft.com/office/powerpoint/2010/main" val="1939017365"/>
+      </p:ext>
+    </p:extLst>
+  </p:cSld>
+  <p:clrMapOvr>
+    <a:masterClrMapping/>
+  </p:clrMapOvr>
+</p:sld>
+</file>
+
+<file path=ppt/slides/slide11.xml><?xml version="1.0" encoding="utf-8"?>
+<p:sld xmlns:a="http://schemas.openxmlformats.org/drawingml/2006/main" xmlns:r="http://schemas.openxmlformats.org/officeDocument/2006/relationships" xmlns:p="http://schemas.openxmlformats.org/presentationml/2006/main">
+  <p:cSld>
+    <p:spTree>
+      <p:nvGrpSpPr>
+        <p:cNvPr id="1" name=""/>
+        <p:cNvGrpSpPr/>
+        <p:nvPr/>
+      </p:nvGrpSpPr>
+      <p:grpSpPr>
+        <a:xfrm>
+          <a:off x="0" y="0"/>
+          <a:ext cx="0" cy="0"/>
+          <a:chOff x="0" y="0"/>
+          <a:chExt cx="0" cy="0"/>
+        </a:xfrm>
+      </p:grpSpPr>
+      <p:sp>
+        <p:nvSpPr>
+          <p:cNvPr id="2" name="Title 1"/>
+          <p:cNvSpPr>
+            <a:spLocks noGrp="1"/>
+          </p:cNvSpPr>
+          <p:nvPr>
+            <p:ph type="title"/>
+          </p:nvPr>
+        </p:nvSpPr>
+        <p:spPr/>
+        <p:txBody>
+          <a:bodyPr/>
+          <a:lstStyle/>
+          <a:p>
+            <a:r>
+              <a:rPr lang="en-US" dirty="0"/>
+              <a:t>Representations</a:t>
+            </a:r>
+          </a:p>
+        </p:txBody>
+      </p:sp>
+      <p:sp>
+        <p:nvSpPr>
+          <p:cNvPr id="3" name="Content Placeholder 2"/>
+          <p:cNvSpPr>
+            <a:spLocks noGrp="1"/>
+          </p:cNvSpPr>
+          <p:nvPr>
+            <p:ph idx="1"/>
+          </p:nvPr>
+        </p:nvSpPr>
+        <p:spPr/>
+        <p:txBody>
+          <a:bodyPr>
+            <a:normAutofit fontScale="92500" lnSpcReduction="10000"/>
+          </a:bodyPr>
+          <a:lstStyle/>
+          <a:p>
+            <a:r>
+              <a:rPr lang="en-US" dirty="0">
+                <a:solidFill>
+                  <a:srgbClr val="E46C0A"/>
+                </a:solidFill>
+              </a:rPr>
+              <a:t>The focus of a </a:t>
+            </a:r>
+            <a:r>
+              <a:rPr lang="en-US" dirty="0" err="1">
+                <a:solidFill>
+                  <a:srgbClr val="E46C0A"/>
+                </a:solidFill>
+              </a:rPr>
+              <a:t>RESTful</a:t>
+            </a:r>
+            <a:r>
+              <a:rPr lang="en-US" dirty="0">
+                <a:solidFill>
+                  <a:srgbClr val="E46C0A"/>
+                </a:solidFill>
+              </a:rPr>
+              <a:t> service is on resources and how to provide access to these resources</a:t>
+            </a:r>
+            <a:r>
+              <a:rPr lang="en-US" dirty="0"/>
+              <a:t>. A resource can be thought of as an object as in OOP. A resource can consist of other resources. </a:t>
+            </a:r>
+          </a:p>
+          <a:p>
+            <a:r>
+              <a:rPr lang="en-US" dirty="0"/>
+              <a:t>While designing a system, the first thing to do is identify the resources and determine how they are related to each other. </a:t>
+            </a:r>
+          </a:p>
+          <a:p>
+            <a:r>
+              <a:rPr lang="en-US" dirty="0"/>
+              <a:t>This is </a:t>
+            </a:r>
+            <a:r>
+              <a:rPr lang="en-US" dirty="0">
+                <a:solidFill>
+                  <a:srgbClr val="E46C0A"/>
+                </a:solidFill>
+              </a:rPr>
+              <a:t>similar to designing a database or object oriented software</a:t>
+            </a:r>
+            <a:r>
+              <a:rPr lang="en-US" dirty="0"/>
+              <a:t>: identify key entities and their mutual relations.</a:t>
+            </a:r>
+          </a:p>
+        </p:txBody>
+      </p:sp>
+    </p:spTree>
+    <p:extLst>
+      <p:ext uri="{BB962C8B-B14F-4D97-AF65-F5344CB8AC3E}">
+        <p14:creationId xmlns:p14="http://schemas.microsoft.com/office/powerpoint/2010/main" val="3765763641"/>
+      </p:ext>
+    </p:extLst>
+  </p:cSld>
+  <p:clrMapOvr>
+    <a:masterClrMapping/>
+  </p:clrMapOvr>
+</p:sld>
+</file>
+
+<file path=ppt/slides/slide12.xml><?xml version="1.0" encoding="utf-8"?>
+<p:sld xmlns:a="http://schemas.openxmlformats.org/drawingml/2006/main" xmlns:r="http://schemas.openxmlformats.org/officeDocument/2006/relationships" xmlns:p="http://schemas.openxmlformats.org/presentationml/2006/main">
+  <p:cSld>
+    <p:spTree>
+      <p:nvGrpSpPr>
+        <p:cNvPr id="1" name=""/>
+        <p:cNvGrpSpPr/>
+        <p:nvPr/>
+      </p:nvGrpSpPr>
+      <p:grpSpPr>
+        <a:xfrm>
+          <a:off x="0" y="0"/>
+          <a:ext cx="0" cy="0"/>
+          <a:chOff x="0" y="0"/>
+          <a:chExt cx="0" cy="0"/>
+        </a:xfrm>
+      </p:grpSpPr>
+      <p:sp>
+        <p:nvSpPr>
+          <p:cNvPr id="2" name="Title 1"/>
+          <p:cNvSpPr>
+            <a:spLocks noGrp="1"/>
+          </p:cNvSpPr>
+          <p:nvPr>
+            <p:ph type="title"/>
+          </p:nvPr>
+        </p:nvSpPr>
+        <p:spPr/>
+        <p:txBody>
+          <a:bodyPr/>
+          <a:lstStyle/>
+          <a:p>
+            <a:r>
+              <a:rPr lang="en-US" dirty="0"/>
+              <a:t>Representations</a:t>
+            </a:r>
+          </a:p>
+        </p:txBody>
+      </p:sp>
+      <p:sp>
+        <p:nvSpPr>
+          <p:cNvPr id="3" name="Content Placeholder 2"/>
+          <p:cNvSpPr>
+            <a:spLocks noGrp="1"/>
+          </p:cNvSpPr>
+          <p:nvPr>
+            <p:ph idx="1"/>
+          </p:nvPr>
+        </p:nvSpPr>
+        <p:spPr/>
+        <p:txBody>
+          <a:bodyPr>
+            <a:normAutofit lnSpcReduction="10000"/>
+          </a:bodyPr>
+          <a:lstStyle/>
+          <a:p>
+            <a:r>
+              <a:rPr lang="en-US" dirty="0"/>
+              <a:t>Once resources have been identified,  </a:t>
+            </a:r>
+            <a:r>
+              <a:rPr lang="en-US" dirty="0">
+                <a:solidFill>
+                  <a:schemeClr val="accent6">
+                    <a:lumMod val="75000"/>
+                  </a:schemeClr>
+                </a:solidFill>
+              </a:rPr>
+              <a:t>it is important to properly represent resources </a:t>
+            </a:r>
+            <a:r>
+              <a:rPr lang="en-US" dirty="0"/>
+              <a:t>(for example, the </a:t>
+            </a:r>
+            <a:r>
+              <a:rPr lang="en-US" dirty="0" err="1"/>
+              <a:t>toString</a:t>
+            </a:r>
+            <a:r>
+              <a:rPr lang="en-US" dirty="0"/>
+              <a:t>() method represent resources using a plain String). </a:t>
+            </a:r>
+          </a:p>
+          <a:p>
+            <a:r>
+              <a:rPr lang="en-US" dirty="0"/>
+              <a:t>You can use </a:t>
+            </a:r>
+            <a:r>
+              <a:rPr lang="en-US" dirty="0">
+                <a:solidFill>
+                  <a:schemeClr val="accent6">
+                    <a:lumMod val="75000"/>
+                  </a:schemeClr>
+                </a:solidFill>
+              </a:rPr>
               <a:t>any format </a:t>
             </a:r>
             <a:r>
               <a:rPr lang="en-US" dirty="0"/>
-              <a:t>for representing the resources, as </a:t>
+              <a:t>for representing the resources as </a:t>
             </a:r>
             <a:r>
               <a:rPr lang="en-US" dirty="0">
@@ -3256,17 +3597,23 @@
                   <a:srgbClr val="E46C0A"/>
                 </a:solidFill>
               </a:rPr>
-              <a:t>REST does not put a restriction </a:t>
-            </a:r>
-            <a:r>
-              <a:rPr lang="en-US" dirty="0"/>
-              <a:t>on the format of a representation.</a:t>
-            </a:r>
-          </a:p>
-          <a:p>
-            <a:r>
-              <a:rPr lang="en-US" dirty="0"/>
-              <a:t>Nevertheless, the most used representations are XML and JSON</a:t>
+              <a:t>REST does not put any restrictions. </a:t>
+            </a:r>
+          </a:p>
+          <a:p>
+            <a:r>
+              <a:rPr lang="en-US" dirty="0"/>
+              <a:t>Nevertheless, </a:t>
+            </a:r>
+            <a:r>
+              <a:rPr lang="en-US" dirty="0">
+                <a:solidFill>
+                  <a:schemeClr val="accent6">
+                    <a:lumMod val="75000"/>
+                  </a:schemeClr>
+                </a:solidFill>
+              </a:rPr>
+              <a:t>the most used representations are XML and JSON</a:t>
             </a:r>
           </a:p>
         </p:txBody>
@@ -3284,7 +3631,7 @@
 </p:sld>
 </file>
 
-<file path=ppt/slides/slide11.xml><?xml version="1.0" encoding="utf-8"?>
+<file path=ppt/slides/slide13.xml><?xml version="1.0" encoding="utf-8"?>
 <p:sld xmlns:a="http://schemas.openxmlformats.org/drawingml/2006/main" xmlns:r="http://schemas.openxmlformats.org/officeDocument/2006/relationships" xmlns:p="http://schemas.openxmlformats.org/presentationml/2006/main">
   <p:cSld>
     <p:spTree>
@@ -3365,228 +3712,6 @@
 </p:sld>
 </file>
 
-<file path=ppt/slides/slide12.xml><?xml version="1.0" encoding="utf-8"?>
-<p:sld xmlns:a="http://schemas.openxmlformats.org/drawingml/2006/main" xmlns:r="http://schemas.openxmlformats.org/officeDocument/2006/relationships" xmlns:p="http://schemas.openxmlformats.org/presentationml/2006/main">
-  <p:cSld>
-    <p:spTree>
-      <p:nvGrpSpPr>
-        <p:cNvPr id="1" name=""/>
-        <p:cNvGrpSpPr/>
-        <p:nvPr/>
-      </p:nvGrpSpPr>
-      <p:grpSpPr>
-        <a:xfrm>
-          <a:off x="0" y="0"/>
-          <a:ext cx="0" cy="0"/>
-          <a:chOff x="0" y="0"/>
-          <a:chExt cx="0" cy="0"/>
-        </a:xfrm>
-      </p:grpSpPr>
-      <p:sp>
-        <p:nvSpPr>
-          <p:cNvPr id="2" name="Title 1"/>
-          <p:cNvSpPr>
-            <a:spLocks noGrp="1"/>
-          </p:cNvSpPr>
-          <p:nvPr>
-            <p:ph type="title"/>
-          </p:nvPr>
-        </p:nvSpPr>
-        <p:spPr/>
-        <p:txBody>
-          <a:bodyPr/>
-          <a:lstStyle/>
-          <a:p>
-            <a:r>
-              <a:rPr lang="en-US" dirty="0"/>
-              <a:t>HTTP Verbs (Operations)</a:t>
-            </a:r>
-          </a:p>
-        </p:txBody>
-      </p:sp>
-      <p:sp>
-        <p:nvSpPr>
-          <p:cNvPr id="3" name="Content Placeholder 2"/>
-          <p:cNvSpPr>
-            <a:spLocks noGrp="1"/>
-          </p:cNvSpPr>
-          <p:nvPr>
-            <p:ph idx="1"/>
-          </p:nvPr>
-        </p:nvSpPr>
-        <p:spPr/>
-        <p:txBody>
-          <a:bodyPr/>
-          <a:lstStyle/>
-          <a:p>
-            <a:r>
-              <a:rPr lang="en-US" dirty="0"/>
-              <a:t>HTTP Verbs (see HTTP Request) define </a:t>
-            </a:r>
-            <a:r>
-              <a:rPr lang="en-US" dirty="0">
-                <a:solidFill>
-                  <a:schemeClr val="accent6">
-                    <a:lumMod val="75000"/>
-                  </a:schemeClr>
-                </a:solidFill>
-              </a:rPr>
-              <a:t>operations on specific resources.</a:t>
-            </a:r>
-          </a:p>
-          <a:p>
-            <a:endParaRPr lang="en-US" dirty="0">
-              <a:solidFill>
-                <a:schemeClr val="accent6">
-                  <a:lumMod val="75000"/>
-                </a:schemeClr>
-              </a:solidFill>
-            </a:endParaRPr>
-          </a:p>
-          <a:p>
-            <a:r>
-              <a:rPr lang="en-US" dirty="0"/>
-              <a:t>GET /users/145 </a:t>
-            </a:r>
-            <a:r>
-              <a:rPr lang="en-US" i="1" dirty="0"/>
-              <a:t>(retrieve user 145)</a:t>
-            </a:r>
-          </a:p>
-          <a:p>
-            <a:r>
-              <a:rPr lang="en-US" dirty="0"/>
-              <a:t>DELETE /users/145 </a:t>
-            </a:r>
-            <a:r>
-              <a:rPr lang="en-US" i="1" dirty="0"/>
-              <a:t>(delete user 145)</a:t>
-            </a:r>
-          </a:p>
-          <a:p>
-            <a:r>
-              <a:rPr lang="en-US" dirty="0"/>
-              <a:t>POST /users/ </a:t>
-            </a:r>
-            <a:r>
-              <a:rPr lang="en-US" i="1" dirty="0"/>
-              <a:t>(add a new user)</a:t>
-            </a:r>
-          </a:p>
-          <a:p>
-            <a:r>
-              <a:rPr lang="en-US" dirty="0"/>
-              <a:t>PUT /users/17 </a:t>
-            </a:r>
-            <a:r>
-              <a:rPr lang="en-US" i="1" dirty="0"/>
-              <a:t>(update user 17)</a:t>
-            </a:r>
-          </a:p>
-          <a:p>
-            <a:endParaRPr lang="en-US" dirty="0">
-              <a:solidFill>
-                <a:schemeClr val="accent6">
-                  <a:lumMod val="75000"/>
-                </a:schemeClr>
-              </a:solidFill>
-            </a:endParaRPr>
-          </a:p>
-        </p:txBody>
-      </p:sp>
-    </p:spTree>
-    <p:extLst>
-      <p:ext uri="{BB962C8B-B14F-4D97-AF65-F5344CB8AC3E}">
-        <p14:creationId xmlns:p14="http://schemas.microsoft.com/office/powerpoint/2010/main" val="3595468721"/>
-      </p:ext>
-    </p:extLst>
-  </p:cSld>
-  <p:clrMapOvr>
-    <a:masterClrMapping/>
-  </p:clrMapOvr>
-</p:sld>
-</file>
-
-<file path=ppt/slides/slide13.xml><?xml version="1.0" encoding="utf-8"?>
-<p:sld xmlns:a="http://schemas.openxmlformats.org/drawingml/2006/main" xmlns:r="http://schemas.openxmlformats.org/officeDocument/2006/relationships" xmlns:p="http://schemas.openxmlformats.org/presentationml/2006/main">
-  <p:cSld>
-    <p:spTree>
-      <p:nvGrpSpPr>
-        <p:cNvPr id="1" name=""/>
-        <p:cNvGrpSpPr/>
-        <p:nvPr/>
-      </p:nvGrpSpPr>
-      <p:grpSpPr>
-        <a:xfrm>
-          <a:off x="0" y="0"/>
-          <a:ext cx="0" cy="0"/>
-          <a:chOff x="0" y="0"/>
-          <a:chExt cx="0" cy="0"/>
-        </a:xfrm>
-      </p:grpSpPr>
-      <p:sp>
-        <p:nvSpPr>
-          <p:cNvPr id="2" name="Title 1"/>
-          <p:cNvSpPr>
-            <a:spLocks noGrp="1"/>
-          </p:cNvSpPr>
-          <p:nvPr>
-            <p:ph type="title"/>
-          </p:nvPr>
-        </p:nvSpPr>
-        <p:spPr/>
-        <p:txBody>
-          <a:bodyPr/>
-          <a:lstStyle/>
-          <a:p>
-            <a:r>
-              <a:rPr lang="en-US" dirty="0"/>
-              <a:t>HTTP Verbs (Operations)</a:t>
-            </a:r>
-          </a:p>
-        </p:txBody>
-      </p:sp>
-      <p:pic>
-        <p:nvPicPr>
-          <p:cNvPr id="4" name="Content Placeholder 3" descr="Screen Shot 2017-05-16 at 00.04.36.png"/>
-          <p:cNvPicPr>
-            <a:picLocks noGrp="1" noChangeAspect="1"/>
-          </p:cNvPicPr>
-          <p:nvPr>
-            <p:ph idx="1"/>
-          </p:nvPr>
-        </p:nvPicPr>
-        <p:blipFill rotWithShape="1">
-          <a:blip r:embed="rId2">
-            <a:extLst>
-              <a:ext uri="{28A0092B-C50C-407E-A947-70E740481C1C}">
-                <a14:useLocalDpi xmlns:a14="http://schemas.microsoft.com/office/drawing/2010/main" val="0"/>
-              </a:ext>
-            </a:extLst>
-          </a:blip>
-          <a:srcRect t="6072" b="29226"/>
-          <a:stretch/>
-        </p:blipFill>
-        <p:spPr>
-          <a:xfrm>
-            <a:off x="677340" y="1716614"/>
-            <a:ext cx="7755467" cy="3141134"/>
-          </a:xfrm>
-        </p:spPr>
-      </p:pic>
-    </p:spTree>
-    <p:extLst>
-      <p:ext uri="{BB962C8B-B14F-4D97-AF65-F5344CB8AC3E}">
-        <p14:creationId xmlns:p14="http://schemas.microsoft.com/office/powerpoint/2010/main" val="1144795851"/>
-      </p:ext>
-    </p:extLst>
-  </p:cSld>
-  <p:clrMapOvr>
-    <a:masterClrMapping/>
-  </p:clrMapOvr>
-</p:sld>
-</file>
-
 <file path=ppt/slides/slide14.xml><?xml version="1.0" encoding="utf-8"?>
 <p:sld xmlns:a="http://schemas.openxmlformats.org/drawingml/2006/main" xmlns:r="http://schemas.openxmlformats.org/officeDocument/2006/relationships" xmlns:p="http://schemas.openxmlformats.org/presentationml/2006/main">
   <p:cSld>
@@ -3621,7 +3746,7 @@
           <a:p>
             <a:r>
               <a:rPr lang="en-US" dirty="0"/>
-              <a:t>Safe and Idempotent</a:t>
+              <a:t>Operations (HTTP Verbs)</a:t>
             </a:r>
           </a:p>
         </p:txBody>
@@ -3638,14 +3763,12 @@
         </p:nvSpPr>
         <p:spPr/>
         <p:txBody>
-          <a:bodyPr>
-            <a:normAutofit/>
-          </a:bodyPr>
+          <a:bodyPr/>
           <a:lstStyle/>
           <a:p>
             <a:r>
               <a:rPr lang="en-US" dirty="0"/>
-              <a:t>A </a:t>
+              <a:t>HTTP Verbs (see HTTP Request) define </a:t>
             </a:r>
             <a:r>
               <a:rPr lang="en-US" dirty="0">
@@ -3655,43 +3778,73 @@
                   </a:schemeClr>
                 </a:solidFill>
               </a:rPr>
-              <a:t>Safe HTTP method </a:t>
-            </a:r>
-            <a:r>
-              <a:rPr lang="en-US" dirty="0"/>
-              <a:t>does not make any changes to the resource on the server. </a:t>
-            </a:r>
-          </a:p>
-          <a:p>
-            <a:r>
-              <a:rPr lang="en-US" dirty="0"/>
-              <a:t>An </a:t>
-            </a:r>
-            <a:r>
-              <a:rPr lang="en-US" dirty="0">
-                <a:solidFill>
-                  <a:srgbClr val="E46C0A"/>
-                </a:solidFill>
-              </a:rPr>
-              <a:t>Idempotent HTTP method </a:t>
-            </a:r>
-            <a:r>
-              <a:rPr lang="en-US" dirty="0"/>
-              <a:t>has same effect no matter how many times it is performed.</a:t>
-            </a:r>
-          </a:p>
-          <a:p>
-            <a:r>
-              <a:rPr lang="en-US" dirty="0"/>
-              <a:t>Classifying methods as Safe and Idempotent makes it easy to predict the results in the unreliable environment of the Web where the client may fire the same request again.</a:t>
-            </a:r>
+              <a:t>operations on specific resources.</a:t>
+            </a:r>
+          </a:p>
+          <a:p>
+            <a:endParaRPr lang="en-US" dirty="0">
+              <a:solidFill>
+                <a:schemeClr val="accent6">
+                  <a:lumMod val="75000"/>
+                </a:schemeClr>
+              </a:solidFill>
+            </a:endParaRPr>
+          </a:p>
+          <a:p>
+            <a:r>
+              <a:rPr lang="en-US" dirty="0"/>
+              <a:t>GET /users/145 </a:t>
+            </a:r>
+            <a:r>
+              <a:rPr lang="en-US" i="1" dirty="0"/>
+              <a:t>(retrieve user 145)</a:t>
+            </a:r>
+          </a:p>
+          <a:p>
+            <a:r>
+              <a:rPr lang="en-US" dirty="0"/>
+              <a:t>DELETE /users/145 </a:t>
+            </a:r>
+            <a:r>
+              <a:rPr lang="en-US" i="1" dirty="0"/>
+              <a:t>(delete user 145)</a:t>
+            </a:r>
+          </a:p>
+          <a:p>
+            <a:r>
+              <a:rPr lang="en-US" dirty="0"/>
+              <a:t>POST /users/ </a:t>
+            </a:r>
+            <a:r>
+              <a:rPr lang="en-US" i="1" dirty="0"/>
+              <a:t>(add a new user)</a:t>
+            </a:r>
+          </a:p>
+          <a:p>
+            <a:r>
+              <a:rPr lang="en-US" dirty="0"/>
+              <a:t>PUT /users/17 </a:t>
+            </a:r>
+            <a:r>
+              <a:rPr lang="en-US" i="1" dirty="0"/>
+              <a:t>(update user 17)</a:t>
+            </a:r>
+          </a:p>
+          <a:p>
+            <a:endParaRPr lang="en-US" dirty="0">
+              <a:solidFill>
+                <a:schemeClr val="accent6">
+                  <a:lumMod val="75000"/>
+                </a:schemeClr>
+              </a:solidFill>
+            </a:endParaRPr>
           </a:p>
         </p:txBody>
       </p:sp>
     </p:spTree>
     <p:extLst>
       <p:ext uri="{BB962C8B-B14F-4D97-AF65-F5344CB8AC3E}">
-        <p14:creationId xmlns:p14="http://schemas.microsoft.com/office/powerpoint/2010/main" val="2470117774"/>
+        <p14:creationId xmlns:p14="http://schemas.microsoft.com/office/powerpoint/2010/main" val="3595468721"/>
       </p:ext>
     </p:extLst>
   </p:cSld>
@@ -3735,46 +3888,196 @@
           <a:p>
             <a:r>
               <a:rPr lang="en-US" dirty="0"/>
-              <a:t>PUT and POST</a:t>
-            </a:r>
-          </a:p>
-        </p:txBody>
-      </p:sp>
-      <p:pic>
-        <p:nvPicPr>
-          <p:cNvPr id="4" name="Content Placeholder 3" descr="Screen Shot 2017-05-16 at 00.10.43.png"/>
-          <p:cNvPicPr>
-            <a:picLocks noGrp="1" noChangeAspect="1"/>
-          </p:cNvPicPr>
-          <p:nvPr>
-            <p:ph idx="1"/>
-          </p:nvPr>
-        </p:nvPicPr>
-        <p:blipFill rotWithShape="1">
-          <a:blip r:embed="rId2">
+              <a:t>Operations (HTTP Verbs)</a:t>
+            </a:r>
+          </a:p>
+        </p:txBody>
+      </p:sp>
+      <p:sp>
+        <p:nvSpPr>
+          <p:cNvPr id="3" name="Content Placeholder 2"/>
+          <p:cNvSpPr>
+            <a:spLocks noGrp="1"/>
+          </p:cNvSpPr>
+          <p:nvPr>
+            <p:ph sz="half" idx="1"/>
+          </p:nvPr>
+        </p:nvSpPr>
+        <p:spPr/>
+        <p:txBody>
+          <a:bodyPr>
+            <a:normAutofit fontScale="85000" lnSpcReduction="20000"/>
+          </a:bodyPr>
+          <a:lstStyle/>
+          <a:p>
+            <a:r>
+              <a:rPr lang="en-US" dirty="0">
+                <a:solidFill>
+                  <a:schemeClr val="accent6">
+                    <a:lumMod val="75000"/>
+                  </a:schemeClr>
+                </a:solidFill>
+              </a:rPr>
+              <a:t>GET</a:t>
+            </a:r>
+            <a:r>
+              <a:rPr lang="en-US" dirty="0"/>
+              <a:t> Read a resource</a:t>
+            </a:r>
+          </a:p>
+          <a:p>
+            <a:pPr lvl="1"/>
+            <a:r>
+              <a:rPr lang="en-US" dirty="0"/>
+              <a:t>Safe</a:t>
+            </a:r>
+          </a:p>
+          <a:p>
+            <a:r>
+              <a:rPr lang="en-US" dirty="0">
+                <a:solidFill>
+                  <a:schemeClr val="accent6">
+                    <a:lumMod val="75000"/>
+                  </a:schemeClr>
+                </a:solidFill>
+              </a:rPr>
+              <a:t>PUT</a:t>
+            </a:r>
+            <a:r>
+              <a:rPr lang="en-US" dirty="0"/>
+              <a:t> Insert/update a resource</a:t>
+            </a:r>
+          </a:p>
+          <a:p>
+            <a:pPr lvl="1"/>
+            <a:r>
+              <a:rPr lang="en-US" dirty="0"/>
+              <a:t>Idempotent</a:t>
+            </a:r>
+          </a:p>
+          <a:p>
+            <a:r>
+              <a:rPr lang="en-US" dirty="0">
+                <a:solidFill>
+                  <a:schemeClr val="accent6">
+                    <a:lumMod val="75000"/>
+                  </a:schemeClr>
+                </a:solidFill>
+              </a:rPr>
+              <a:t>POST</a:t>
+            </a:r>
+            <a:r>
+              <a:rPr lang="en-US" dirty="0"/>
+              <a:t> Insert/update a resource</a:t>
+            </a:r>
+          </a:p>
+          <a:p>
+            <a:pPr lvl="1"/>
+            <a:r>
+              <a:rPr lang="en-US" dirty="0"/>
+              <a:t>N/A</a:t>
+            </a:r>
+          </a:p>
+          <a:p>
+            <a:r>
+              <a:rPr lang="en-US" dirty="0">
+                <a:solidFill>
+                  <a:schemeClr val="accent6">
+                    <a:lumMod val="75000"/>
+                  </a:schemeClr>
+                </a:solidFill>
+              </a:rPr>
+              <a:t>DELETE</a:t>
+            </a:r>
+            <a:r>
+              <a:rPr lang="en-US" dirty="0"/>
+              <a:t> Delete a resource</a:t>
+            </a:r>
+          </a:p>
+          <a:p>
+            <a:pPr lvl="1"/>
+            <a:r>
+              <a:rPr lang="en-US" dirty="0"/>
+              <a:t>Idempotent</a:t>
+            </a:r>
+          </a:p>
+        </p:txBody>
+      </p:sp>
+      <p:sp>
+        <p:nvSpPr>
+          <p:cNvPr id="4" name="Content Placeholder 3">
             <a:extLst>
-              <a:ext uri="{28A0092B-C50C-407E-A947-70E740481C1C}">
-                <a14:useLocalDpi xmlns:a14="http://schemas.microsoft.com/office/drawing/2010/main" val="0"/>
+              <a:ext uri="{FF2B5EF4-FFF2-40B4-BE49-F238E27FC236}">
+                <a16:creationId xmlns:a16="http://schemas.microsoft.com/office/drawing/2014/main" id="{C003E3A9-DE7E-8F46-9A8B-EB4793BD3272}"/>
               </a:ext>
             </a:extLst>
-          </a:blip>
-          <a:srcRect t="713" b="1045"/>
-          <a:stretch/>
-        </p:blipFill>
-        <p:spPr>
-          <a:xfrm>
-            <a:off x="457200" y="1915584"/>
-            <a:ext cx="8229600" cy="3291416"/>
-          </a:xfrm>
-          <a:prstGeom prst="rect">
-            <a:avLst/>
-          </a:prstGeom>
-        </p:spPr>
-      </p:pic>
+          </p:cNvPr>
+          <p:cNvSpPr>
+            <a:spLocks noGrp="1"/>
+          </p:cNvSpPr>
+          <p:nvPr>
+            <p:ph sz="half" idx="2"/>
+          </p:nvPr>
+        </p:nvSpPr>
+        <p:spPr/>
+        <p:txBody>
+          <a:bodyPr>
+            <a:normAutofit fontScale="85000" lnSpcReduction="20000"/>
+          </a:bodyPr>
+          <a:lstStyle/>
+          <a:p>
+            <a:r>
+              <a:rPr lang="en-US" dirty="0"/>
+              <a:t>A </a:t>
+            </a:r>
+            <a:r>
+              <a:rPr lang="en-US" dirty="0">
+                <a:solidFill>
+                  <a:schemeClr val="accent6">
+                    <a:lumMod val="75000"/>
+                  </a:schemeClr>
+                </a:solidFill>
+              </a:rPr>
+              <a:t>Safe HTTP method </a:t>
+            </a:r>
+            <a:r>
+              <a:rPr lang="en-US" dirty="0"/>
+              <a:t>does not make any changes to the resource on the server. </a:t>
+            </a:r>
+          </a:p>
+          <a:p>
+            <a:r>
+              <a:rPr lang="en-US" dirty="0"/>
+              <a:t>An </a:t>
+            </a:r>
+            <a:r>
+              <a:rPr lang="en-US" dirty="0">
+                <a:solidFill>
+                  <a:srgbClr val="E46C0A"/>
+                </a:solidFill>
+              </a:rPr>
+              <a:t>Idempotent HTTP method </a:t>
+            </a:r>
+            <a:r>
+              <a:rPr lang="en-US" dirty="0"/>
+              <a:t>has same effect no matter how many times it is performed.</a:t>
+            </a:r>
+          </a:p>
+          <a:p>
+            <a:r>
+              <a:rPr lang="en-US" dirty="0"/>
+              <a:t>Classifying methods as Safe and Idempotent makes it easy to predict the results in unreliable environments such as the Web (clients may fire the same request multiple times for example)</a:t>
+            </a:r>
+          </a:p>
+          <a:p>
+            <a:endParaRPr lang="en-GB" dirty="0"/>
+          </a:p>
+        </p:txBody>
+      </p:sp>
     </p:spTree>
     <p:extLst>
       <p:ext uri="{BB962C8B-B14F-4D97-AF65-F5344CB8AC3E}">
-        <p14:creationId xmlns:p14="http://schemas.microsoft.com/office/powerpoint/2010/main" val="486609892"/>
+        <p14:creationId xmlns:p14="http://schemas.microsoft.com/office/powerpoint/2010/main" val="2470117774"/>
       </p:ext>
     </p:extLst>
   </p:cSld>
@@ -3823,82 +4126,126 @@
           </a:p>
         </p:txBody>
       </p:sp>
-      <p:sp>
-        <p:nvSpPr>
-          <p:cNvPr id="3" name="Content Placeholder 2"/>
-          <p:cNvSpPr>
-            <a:spLocks noGrp="1"/>
-          </p:cNvSpPr>
+      <p:pic>
+        <p:nvPicPr>
+          <p:cNvPr id="4" name="Content Placeholder 3" descr="Screen Shot 2017-05-16 at 00.10.43.png"/>
+          <p:cNvPicPr>
+            <a:picLocks noGrp="1" noChangeAspect="1"/>
+          </p:cNvPicPr>
           <p:nvPr>
             <p:ph idx="1"/>
           </p:nvPr>
-        </p:nvSpPr>
-        <p:spPr/>
-        <p:txBody>
-          <a:bodyPr>
-            <a:normAutofit/>
+        </p:nvPicPr>
+        <p:blipFill rotWithShape="1">
+          <a:blip r:embed="rId2">
+            <a:extLst>
+              <a:ext uri="{28A0092B-C50C-407E-A947-70E740481C1C}">
+                <a14:useLocalDpi xmlns:a14="http://schemas.microsoft.com/office/drawing/2010/main" val="0"/>
+              </a:ext>
+            </a:extLst>
+          </a:blip>
+          <a:srcRect t="713" b="1045"/>
+          <a:stretch/>
+        </p:blipFill>
+        <p:spPr>
+          <a:xfrm>
+            <a:off x="457200" y="1915584"/>
+            <a:ext cx="8229600" cy="3291416"/>
+          </a:xfrm>
+          <a:prstGeom prst="rect">
+            <a:avLst/>
+          </a:prstGeom>
+        </p:spPr>
+      </p:pic>
+      <p:sp>
+        <p:nvSpPr>
+          <p:cNvPr id="3" name="TextBox 2">
+            <a:extLst>
+              <a:ext uri="{FF2B5EF4-FFF2-40B4-BE49-F238E27FC236}">
+                <a16:creationId xmlns:a16="http://schemas.microsoft.com/office/drawing/2014/main" id="{FF6A4BDE-F301-D94A-A48B-EEB6303AF0D1}"/>
+              </a:ext>
+            </a:extLst>
+          </p:cNvPr>
+          <p:cNvSpPr txBox="1"/>
+          <p:nvPr/>
+        </p:nvSpPr>
+        <p:spPr>
+          <a:xfrm>
+            <a:off x="2540220" y="5411972"/>
+            <a:ext cx="2277290" cy="369332"/>
+          </a:xfrm>
+          <a:prstGeom prst="rect">
+            <a:avLst/>
+          </a:prstGeom>
+          <a:noFill/>
+        </p:spPr>
+        <p:txBody>
+          <a:bodyPr wrap="none" rtlCol="0">
+            <a:spAutoFit/>
           </a:bodyPr>
           <a:lstStyle/>
           <a:p>
             <a:r>
-              <a:rPr lang="en-US" dirty="0">
-                <a:solidFill>
-                  <a:srgbClr val="E46C0A"/>
+              <a:rPr lang="en-GB" dirty="0">
+                <a:solidFill>
+                  <a:schemeClr val="accent6">
+                    <a:lumMod val="75000"/>
+                  </a:schemeClr>
                 </a:solidFill>
               </a:rPr>
-              <a:t>There is no difference between PUT and POST if the resource already exists</a:t>
-            </a:r>
-            <a:r>
-              <a:rPr lang="en-US" dirty="0"/>
-              <a:t>, both update the existing resource. </a:t>
-            </a:r>
-          </a:p>
-          <a:p>
-            <a:r>
-              <a:rPr lang="en-US" dirty="0"/>
-              <a:t>If the resources does not exist, however:</a:t>
-            </a:r>
-          </a:p>
-          <a:p>
-            <a:pPr lvl="1"/>
-            <a:r>
-              <a:rPr lang="en-US" dirty="0"/>
-              <a:t>PUT </a:t>
-            </a:r>
-            <a:r>
-              <a:rPr lang="en-US" dirty="0">
-                <a:hlinkClick r:id="rId2"/>
-              </a:rPr>
-              <a:t>http://MyService/Persons/</a:t>
-            </a:r>
-            <a:r>
-              <a:rPr lang="en-US" dirty="0"/>
-              <a:t> fails</a:t>
-            </a:r>
-          </a:p>
-          <a:p>
-            <a:pPr lvl="1"/>
-            <a:r>
-              <a:rPr lang="en-US" dirty="0"/>
-              <a:t>POST </a:t>
-            </a:r>
-            <a:r>
-              <a:rPr lang="en-US" dirty="0">
-                <a:hlinkClick r:id="rId2"/>
-              </a:rPr>
-              <a:t>http://MyService/Persons/</a:t>
-            </a:r>
-            <a:r>
-              <a:rPr lang="en-US" dirty="0"/>
-              <a:t> create a new resource each time it is fired. </a:t>
-            </a:r>
-          </a:p>
-        </p:txBody>
-      </p:sp>
+              <a:t>Idempotent fails here!</a:t>
+            </a:r>
+          </a:p>
+        </p:txBody>
+      </p:sp>
+      <p:cxnSp>
+        <p:nvCxnSpPr>
+          <p:cNvPr id="6" name="Straight Arrow Connector 5">
+            <a:extLst>
+              <a:ext uri="{FF2B5EF4-FFF2-40B4-BE49-F238E27FC236}">
+                <a16:creationId xmlns:a16="http://schemas.microsoft.com/office/drawing/2014/main" id="{93EF5E8E-8AAC-8A4D-BF3A-8EC83D2B7BB7}"/>
+              </a:ext>
+            </a:extLst>
+          </p:cNvPr>
+          <p:cNvCxnSpPr/>
+          <p:nvPr/>
+        </p:nvCxnSpPr>
+        <p:spPr>
+          <a:xfrm flipV="1">
+            <a:off x="3678865" y="4423144"/>
+            <a:ext cx="1031358" cy="988828"/>
+          </a:xfrm>
+          <a:prstGeom prst="straightConnector1">
+            <a:avLst/>
+          </a:prstGeom>
+          <a:ln>
+            <a:solidFill>
+              <a:schemeClr val="accent6">
+                <a:lumMod val="75000"/>
+              </a:schemeClr>
+            </a:solidFill>
+            <a:tailEnd type="triangle"/>
+          </a:ln>
+        </p:spPr>
+        <p:style>
+          <a:lnRef idx="2">
+            <a:schemeClr val="accent1"/>
+          </a:lnRef>
+          <a:fillRef idx="0">
+            <a:schemeClr val="accent1"/>
+          </a:fillRef>
+          <a:effectRef idx="1">
+            <a:schemeClr val="accent1"/>
+          </a:effectRef>
+          <a:fontRef idx="minor">
+            <a:schemeClr val="tx1"/>
+          </a:fontRef>
+        </p:style>
+      </p:cxnSp>
     </p:spTree>
     <p:extLst>
       <p:ext uri="{BB962C8B-B14F-4D97-AF65-F5344CB8AC3E}">
-        <p14:creationId xmlns:p14="http://schemas.microsoft.com/office/powerpoint/2010/main" val="4011854234"/>
+        <p14:creationId xmlns:p14="http://schemas.microsoft.com/office/powerpoint/2010/main" val="486609892"/>
       </p:ext>
     </p:extLst>
   </p:cSld>
@@ -3960,88 +4307,70 @@
         <p:spPr/>
         <p:txBody>
           <a:bodyPr>
-            <a:normAutofit fontScale="85000" lnSpcReduction="10000"/>
+            <a:normAutofit/>
           </a:bodyPr>
           <a:lstStyle/>
           <a:p>
             <a:r>
-              <a:rPr lang="en-US" dirty="0"/>
-              <a:t>REST requires each resource to have at least one URI. </a:t>
-            </a:r>
-            <a:r>
-              <a:rPr lang="en-US" dirty="0">
+              <a:rPr lang="en-US" sz="2600" dirty="0"/>
+              <a:t>REST requires each resource to have at least one URI</a:t>
+            </a:r>
+          </a:p>
+          <a:p>
+            <a:r>
+              <a:rPr lang="en-US" sz="2600" dirty="0">
                 <a:solidFill>
                   <a:srgbClr val="E46C0A"/>
                 </a:solidFill>
               </a:rPr>
-              <a:t>A </a:t>
-            </a:r>
-            <a:r>
-              <a:rPr lang="en-US" dirty="0" err="1">
-                <a:solidFill>
-                  <a:srgbClr val="E46C0A"/>
+              <a:t>RESTful services uses a directory hierarchy to address resources</a:t>
+            </a:r>
+            <a:endParaRPr lang="en-US" sz="2600" dirty="0"/>
+          </a:p>
+          <a:p>
+            <a:r>
+              <a:rPr lang="en-US" sz="2600" dirty="0">
+                <a:solidFill>
+                  <a:schemeClr val="accent6">
+                    <a:lumMod val="75000"/>
+                  </a:schemeClr>
                 </a:solidFill>
               </a:rPr>
-              <a:t>RESTful</a:t>
-            </a:r>
-            <a:r>
-              <a:rPr lang="en-US" dirty="0">
-                <a:solidFill>
-                  <a:srgbClr val="E46C0A"/>
-                </a:solidFill>
-              </a:rPr>
-              <a:t> service uses a directory hierarchy like human readable URIs to address its resources</a:t>
-            </a:r>
-            <a:r>
-              <a:rPr lang="en-US" dirty="0"/>
-              <a:t>. The job of a URI is to identify a resource or a collection of resources. The actual operation is determined by an HTTP verb. The URI should not say anything about the operation or action. </a:t>
-            </a:r>
-          </a:p>
-          <a:p>
-            <a:r>
-              <a:rPr lang="en-US" dirty="0"/>
-              <a:t>Suppose we have a database of persons and we wish to expose it to the outer world through a service.  </a:t>
-            </a:r>
-            <a:r>
-              <a:rPr lang="en-US" b="1" dirty="0"/>
-              <a:t>http://</a:t>
-            </a:r>
-            <a:r>
-              <a:rPr lang="en-US" b="1" dirty="0" err="1"/>
-              <a:t>MyService</a:t>
-            </a:r>
-            <a:r>
-              <a:rPr lang="en-US" b="1" dirty="0"/>
-              <a:t>/Persons/1</a:t>
-            </a:r>
-            <a:endParaRPr lang="en-US" dirty="0"/>
-          </a:p>
-          <a:p>
-            <a:r>
-              <a:rPr lang="en-US" b="1" dirty="0"/>
+              <a:t>The job of a URI is to identify a resource or a collection of resources </a:t>
+            </a:r>
+          </a:p>
+          <a:p>
+            <a:r>
+              <a:rPr lang="en-US" sz="2600" dirty="0"/>
+              <a:t>The actual operation is determined by an HTTP verb. The URI should not say anything about the operation or action</a:t>
+            </a:r>
+          </a:p>
+          <a:p>
+            <a:r>
+              <a:rPr lang="en-US" sz="2600" b="1" dirty="0"/>
               <a:t>Protocol://</a:t>
             </a:r>
             <a:r>
-              <a:rPr lang="en-US" b="1" dirty="0" err="1"/>
+              <a:rPr lang="en-US" sz="2600" b="1" dirty="0" err="1"/>
               <a:t>ServiceName</a:t>
             </a:r>
             <a:r>
-              <a:rPr lang="en-US" b="1" dirty="0"/>
+              <a:rPr lang="en-US" sz="2600" b="1" dirty="0"/>
               <a:t>/</a:t>
             </a:r>
             <a:r>
-              <a:rPr lang="en-US" b="1" dirty="0" err="1"/>
+              <a:rPr lang="en-US" sz="2600" b="1" dirty="0" err="1"/>
               <a:t>ResourceType</a:t>
             </a:r>
             <a:r>
-              <a:rPr lang="en-US" b="1" dirty="0"/>
+              <a:rPr lang="en-US" sz="2600" b="1" dirty="0"/>
               <a:t>/</a:t>
             </a:r>
             <a:r>
-              <a:rPr lang="en-US" b="1" dirty="0" err="1"/>
+              <a:rPr lang="en-US" sz="2600" b="1" dirty="0" err="1"/>
               <a:t>ResourceID</a:t>
             </a:r>
-            <a:endParaRPr lang="en-US" b="1" dirty="0"/>
+            <a:endParaRPr lang="en-US" sz="2600" b="1" dirty="0"/>
           </a:p>
         </p:txBody>
       </p:sp>
@@ -4110,37 +4439,95 @@
         <p:spPr/>
         <p:txBody>
           <a:bodyPr>
-            <a:normAutofit fontScale="85000" lnSpcReduction="20000"/>
+            <a:normAutofit fontScale="85000" lnSpcReduction="10000"/>
           </a:bodyPr>
           <a:lstStyle/>
           <a:p>
             <a:r>
-              <a:rPr lang="en-US" dirty="0"/>
-              <a:t>Use plural nouns for naming your resources.</a:t>
-            </a:r>
-          </a:p>
-          <a:p>
-            <a:r>
-              <a:rPr lang="en-US" dirty="0"/>
-              <a:t>Avoid using spaces as they create confusion. Use an _ (underscore) or – (hyphen) instead.</a:t>
-            </a:r>
-          </a:p>
-          <a:p>
-            <a:r>
-              <a:rPr lang="en-US" dirty="0"/>
-              <a:t>A URI is case insensitive. I use camel case in my URIs for better clarity. You can use all lower-case URIs.</a:t>
-            </a:r>
-          </a:p>
-          <a:p>
-            <a:r>
-              <a:rPr lang="en-US" dirty="0"/>
-              <a:t>A cool URI never changes; so give some thought before deciding on the URIs for your service. If you need to change the location of a resource, do not discard the old URI and redirect the client to the new location.</a:t>
-            </a:r>
-          </a:p>
-          <a:p>
-            <a:r>
-              <a:rPr lang="en-US" dirty="0"/>
-              <a:t>Avoid verbs for your resource names until your resource is actually an operation or a process. Verbs are more suitable for the names of operations. </a:t>
+              <a:rPr lang="en-US" dirty="0">
+                <a:solidFill>
+                  <a:schemeClr val="accent6">
+                    <a:lumMod val="75000"/>
+                  </a:schemeClr>
+                </a:solidFill>
+              </a:rPr>
+              <a:t>Use plural nouns </a:t>
+            </a:r>
+            <a:r>
+              <a:rPr lang="en-US" dirty="0"/>
+              <a:t>for naming your resources.</a:t>
+            </a:r>
+          </a:p>
+          <a:p>
+            <a:r>
+              <a:rPr lang="en-US" dirty="0">
+                <a:solidFill>
+                  <a:schemeClr val="accent6">
+                    <a:lumMod val="75000"/>
+                  </a:schemeClr>
+                </a:solidFill>
+              </a:rPr>
+              <a:t>Avoid using spaces </a:t>
+            </a:r>
+            <a:r>
+              <a:rPr lang="en-US" dirty="0"/>
+              <a:t>as they create confusion. Use an _ (underscore) or – (hyphen) instead.</a:t>
+            </a:r>
+          </a:p>
+          <a:p>
+            <a:r>
+              <a:rPr lang="en-US" dirty="0"/>
+              <a:t>A URI is </a:t>
+            </a:r>
+            <a:r>
+              <a:rPr lang="en-US" dirty="0">
+                <a:solidFill>
+                  <a:schemeClr val="accent6">
+                    <a:lumMod val="75000"/>
+                  </a:schemeClr>
+                </a:solidFill>
+              </a:rPr>
+              <a:t>case insensitive</a:t>
+            </a:r>
+            <a:r>
+              <a:rPr lang="en-US" dirty="0"/>
+              <a:t>. I use camel case in my URIs for better clarity. You can use all lower-case URIs.</a:t>
+            </a:r>
+          </a:p>
+          <a:p>
+            <a:r>
+              <a:rPr lang="en-US" dirty="0"/>
+              <a:t>A </a:t>
+            </a:r>
+            <a:r>
+              <a:rPr lang="en-US" dirty="0">
+                <a:solidFill>
+                  <a:schemeClr val="accent6">
+                    <a:lumMod val="75000"/>
+                  </a:schemeClr>
+                </a:solidFill>
+              </a:rPr>
+              <a:t>cool URI never changes</a:t>
+            </a:r>
+            <a:r>
+              <a:rPr lang="en-US" dirty="0"/>
+              <a:t>; so give some thought before deciding on the URIs for your service. If you need to change the location of a resource, do not discard the old URI and redirect the client to the new location.</a:t>
+            </a:r>
+          </a:p>
+          <a:p>
+            <a:r>
+              <a:rPr lang="en-US" dirty="0">
+                <a:solidFill>
+                  <a:schemeClr val="accent6">
+                    <a:lumMod val="75000"/>
+                  </a:schemeClr>
+                </a:solidFill>
+              </a:rPr>
+              <a:t>Avoid verbs</a:t>
+            </a:r>
+            <a:r>
+              <a:rPr lang="en-US" dirty="0"/>
+              <a:t> for your resource names. Verbs are more suitable for the names of operations. </a:t>
             </a:r>
           </a:p>
         </p:txBody>
@@ -4210,7 +4597,7 @@
         <p:spPr/>
         <p:txBody>
           <a:bodyPr>
-            <a:normAutofit lnSpcReduction="10000"/>
+            <a:normAutofit/>
           </a:bodyPr>
           <a:lstStyle/>
           <a:p>
@@ -4262,20 +4649,14 @@
           </a:p>
           <a:p>
             <a:r>
-              <a:rPr lang="en-US" dirty="0"/>
-              <a:t>Including the encoding in the main URI </a:t>
-            </a:r>
-            <a:r>
               <a:rPr lang="en-US" dirty="0">
                 <a:solidFill>
-                  <a:srgbClr val="E46C0A"/>
+                  <a:schemeClr val="accent6">
+                    <a:lumMod val="75000"/>
+                  </a:schemeClr>
                 </a:solidFill>
               </a:rPr>
-              <a:t>is not logically correct</a:t>
-            </a:r>
-            <a:r>
-              <a:rPr lang="en-US" dirty="0"/>
-              <a:t>:</a:t>
+              <a:t>Avoid this!</a:t>
             </a:r>
           </a:p>
           <a:p>
@@ -4554,11 +4935,11 @@
                   <a:srgbClr val="E46C0A"/>
                 </a:solidFill>
               </a:rPr>
-              <a:t>build Web services </a:t>
-            </a:r>
-            <a:r>
-              <a:rPr lang="en-US" dirty="0"/>
-              <a:t>that are lightweight and scalable </a:t>
+              <a:t>build scalable Web services </a:t>
+            </a:r>
+            <a:r>
+              <a:rPr lang="en-US" dirty="0"/>
+              <a:t>(stateless is lightweight)</a:t>
             </a:r>
           </a:p>
           <a:p>
@@ -4578,7 +4959,7 @@
             </a:r>
             <a:r>
               <a:rPr lang="en-US" dirty="0"/>
-              <a:t>from vendor-specific details (e.g., JDBC) and </a:t>
+              <a:t>from vendor-specific details (e.g., JDBC requires drivers and knowledge about the underlying database) and </a:t>
             </a:r>
             <a:r>
               <a:rPr lang="en-US" dirty="0">
@@ -4615,6 +4996,56 @@
             <a:r>
               <a:rPr lang="en-US" dirty="0"/>
               <a:t> for Java)</a:t>
+            </a:r>
+          </a:p>
+          <a:p>
+            <a:r>
+              <a:rPr lang="en-US" dirty="0">
+                <a:solidFill>
+                  <a:srgbClr val="000000"/>
+                </a:solidFill>
+              </a:rPr>
+              <a:t>Examples: https://</a:t>
+            </a:r>
+            <a:r>
+              <a:rPr lang="en-US" dirty="0" err="1">
+                <a:solidFill>
+                  <a:srgbClr val="000000"/>
+                </a:solidFill>
+              </a:rPr>
+              <a:t>github.com</a:t>
+            </a:r>
+            <a:r>
+              <a:rPr lang="en-US" dirty="0">
+                <a:solidFill>
+                  <a:srgbClr val="000000"/>
+                </a:solidFill>
+              </a:rPr>
+              <a:t>/</a:t>
+            </a:r>
+            <a:r>
+              <a:rPr lang="en-US" dirty="0" err="1">
+                <a:solidFill>
+                  <a:srgbClr val="000000"/>
+                </a:solidFill>
+              </a:rPr>
+              <a:t>toddmotto</a:t>
+            </a:r>
+            <a:r>
+              <a:rPr lang="en-US" dirty="0">
+                <a:solidFill>
+                  <a:srgbClr val="000000"/>
+                </a:solidFill>
+              </a:rPr>
+              <a:t>/public-</a:t>
+            </a:r>
+            <a:r>
+              <a:rPr lang="en-US" dirty="0" err="1">
+                <a:solidFill>
+                  <a:srgbClr val="000000"/>
+                </a:solidFill>
+              </a:rPr>
+              <a:t>apis</a:t>
             </a:r>
             <a:endParaRPr lang="en-US" dirty="0">
               <a:solidFill>
@@ -4623,23 +5054,18 @@
             </a:endParaRPr>
           </a:p>
           <a:p>
-            <a:r>
-              <a:rPr lang="en-US" dirty="0">
-                <a:solidFill>
-                  <a:srgbClr val="000000"/>
-                </a:solidFill>
-                <a:hlinkClick r:id="rId3"/>
-              </a:rPr>
-              <a:t>https://github.com/toddmotto/public-apis#books</a:t>
-            </a:r>
-            <a:r>
-              <a:rPr lang="en-US" dirty="0">
-                <a:solidFill>
-                  <a:srgbClr val="000000"/>
-                </a:solidFill>
-              </a:rPr>
-              <a:t> </a:t>
-            </a:r>
+            <a:endParaRPr lang="en-US" dirty="0">
+              <a:solidFill>
+                <a:srgbClr val="000000"/>
+              </a:solidFill>
+            </a:endParaRPr>
+          </a:p>
+          <a:p>
+            <a:endParaRPr lang="en-US" dirty="0">
+              <a:solidFill>
+                <a:srgbClr val="000000"/>
+              </a:solidFill>
+            </a:endParaRPr>
           </a:p>
           <a:p>
             <a:endParaRPr lang="en-US" dirty="0"/>
@@ -5390,7 +5816,13 @@
       </p:grpSpPr>
       <p:sp>
         <p:nvSpPr>
-          <p:cNvPr id="2" name="Title 1"/>
+          <p:cNvPr id="2" name="Title 1">
+            <a:extLst>
+              <a:ext uri="{FF2B5EF4-FFF2-40B4-BE49-F238E27FC236}">
+                <a16:creationId xmlns:a16="http://schemas.microsoft.com/office/drawing/2014/main" id="{A1564BB9-6680-6940-84F2-A632DA66D70D}"/>
+              </a:ext>
+            </a:extLst>
+          </p:cNvPr>
           <p:cNvSpPr>
             <a:spLocks noGrp="1"/>
           </p:cNvSpPr>
@@ -5407,127 +5839,459 @@
               <a:rPr lang="en-US" dirty="0"/>
               <a:t>Why Learn REST?</a:t>
             </a:r>
-          </a:p>
-        </p:txBody>
-      </p:sp>
-      <p:sp>
-        <p:nvSpPr>
-          <p:cNvPr id="3" name="Content Placeholder 2"/>
-          <p:cNvSpPr>
-            <a:spLocks noGrp="1"/>
-          </p:cNvSpPr>
-          <p:nvPr>
-            <p:ph idx="1"/>
+            <a:endParaRPr lang="en-GB" dirty="0"/>
+          </a:p>
+        </p:txBody>
+      </p:sp>
+      <p:sp>
+        <p:nvSpPr>
+          <p:cNvPr id="4" name="Content Placeholder 3">
+            <a:extLst>
+              <a:ext uri="{FF2B5EF4-FFF2-40B4-BE49-F238E27FC236}">
+                <a16:creationId xmlns:a16="http://schemas.microsoft.com/office/drawing/2014/main" id="{99BEB612-657A-7A4F-8B5A-5AE575C21E6A}"/>
+              </a:ext>
+            </a:extLst>
+          </p:cNvPr>
+          <p:cNvSpPr>
+            <a:spLocks noGrp="1"/>
+          </p:cNvSpPr>
+          <p:nvPr>
+            <p:ph sz="half" idx="1"/>
           </p:nvPr>
         </p:nvSpPr>
         <p:spPr/>
         <p:txBody>
-          <a:bodyPr/>
+          <a:bodyPr>
+            <a:normAutofit fontScale="55000" lnSpcReduction="20000"/>
+          </a:bodyPr>
           <a:lstStyle/>
           <a:p>
-            <a:r>
-              <a:rPr lang="en-US" dirty="0"/>
-              <a:t>A number of </a:t>
-            </a:r>
-            <a:r>
-              <a:rPr lang="en-US" dirty="0">
+            <a:pPr marL="0" indent="0">
+              <a:buNone/>
+            </a:pPr>
+            <a:r>
+              <a:rPr lang="en-GB" dirty="0">
                 <a:solidFill>
                   <a:schemeClr val="accent6">
                     <a:lumMod val="75000"/>
                   </a:schemeClr>
                 </a:solidFill>
               </a:rPr>
-              <a:t>mobile apps are built upon </a:t>
-            </a:r>
-            <a:r>
-              <a:rPr lang="en-US" dirty="0" err="1">
+              <a:t>(HTTP Request) </a:t>
+            </a:r>
+          </a:p>
+          <a:p>
+            <a:pPr marL="0" indent="0">
+              <a:buNone/>
+            </a:pPr>
+            <a:r>
+              <a:rPr lang="en-GB" dirty="0"/>
+              <a:t>$ curl https://</a:t>
+            </a:r>
+            <a:r>
+              <a:rPr lang="en-GB" dirty="0" err="1"/>
+              <a:t>financialmodelingprep.com</a:t>
+            </a:r>
+            <a:r>
+              <a:rPr lang="en-GB" dirty="0"/>
+              <a:t>/</a:t>
+            </a:r>
+            <a:r>
+              <a:rPr lang="en-GB" dirty="0" err="1"/>
+              <a:t>api</a:t>
+            </a:r>
+            <a:r>
+              <a:rPr lang="en-GB" dirty="0"/>
+              <a:t>/v3/quote/AAPL</a:t>
+            </a:r>
+          </a:p>
+          <a:p>
+            <a:pPr marL="0" indent="0">
+              <a:buNone/>
+            </a:pPr>
+            <a:endParaRPr lang="en-GB" dirty="0"/>
+          </a:p>
+          <a:p>
+            <a:pPr marL="0" indent="0">
+              <a:buNone/>
+            </a:pPr>
+            <a:r>
+              <a:rPr lang="en-GB" dirty="0">
                 <a:solidFill>
                   <a:schemeClr val="accent6">
                     <a:lumMod val="75000"/>
                   </a:schemeClr>
                 </a:solidFill>
               </a:rPr>
-              <a:t>RESTful</a:t>
-            </a:r>
-            <a:r>
-              <a:rPr lang="en-US" dirty="0">
+              <a:t>(JSON Reply)</a:t>
+            </a:r>
+          </a:p>
+          <a:p>
+            <a:pPr marL="0" indent="0">
+              <a:buNone/>
+            </a:pPr>
+            <a:r>
+              <a:rPr lang="en-GB" dirty="0"/>
+              <a:t>[ {</a:t>
+            </a:r>
+          </a:p>
+          <a:p>
+            <a:pPr marL="0" indent="0">
+              <a:buNone/>
+            </a:pPr>
+            <a:r>
+              <a:rPr lang="en-GB" dirty="0"/>
+              <a:t>  "symbol" : "AAPL",</a:t>
+            </a:r>
+          </a:p>
+          <a:p>
+            <a:pPr marL="0" indent="0">
+              <a:buNone/>
+            </a:pPr>
+            <a:r>
+              <a:rPr lang="en-GB" dirty="0"/>
+              <a:t>  "name" : "Apple Inc.",</a:t>
+            </a:r>
+          </a:p>
+          <a:p>
+            <a:pPr marL="0" indent="0">
+              <a:buNone/>
+            </a:pPr>
+            <a:r>
+              <a:rPr lang="en-GB" dirty="0"/>
+              <a:t>  "price" : 276.10000000,</a:t>
+            </a:r>
+          </a:p>
+          <a:p>
+            <a:pPr marL="0" indent="0">
+              <a:buNone/>
+            </a:pPr>
+            <a:r>
+              <a:rPr lang="en-GB" dirty="0"/>
+              <a:t>  "</a:t>
+            </a:r>
+            <a:r>
+              <a:rPr lang="en-GB" dirty="0" err="1"/>
+              <a:t>changesPercentage</a:t>
+            </a:r>
+            <a:r>
+              <a:rPr lang="en-GB" dirty="0"/>
+              <a:t>" : 2.88000000,</a:t>
+            </a:r>
+          </a:p>
+          <a:p>
+            <a:pPr marL="0" indent="0">
+              <a:buNone/>
+            </a:pPr>
+            <a:r>
+              <a:rPr lang="en-GB" dirty="0"/>
+              <a:t>  "change" : 7.73000000,</a:t>
+            </a:r>
+          </a:p>
+          <a:p>
+            <a:pPr marL="0" indent="0">
+              <a:buNone/>
+            </a:pPr>
+            <a:r>
+              <a:rPr lang="en-GB" dirty="0"/>
+              <a:t>  "</a:t>
+            </a:r>
+            <a:r>
+              <a:rPr lang="en-GB" dirty="0" err="1"/>
+              <a:t>dayLow</a:t>
+            </a:r>
+            <a:r>
+              <a:rPr lang="en-GB" dirty="0"/>
+              <a:t>" : 272.22000000,</a:t>
+            </a:r>
+          </a:p>
+          <a:p>
+            <a:pPr marL="0" indent="0">
+              <a:buNone/>
+            </a:pPr>
+            <a:r>
+              <a:rPr lang="en-GB" dirty="0"/>
+              <a:t>  "</a:t>
+            </a:r>
+            <a:r>
+              <a:rPr lang="en-GB" dirty="0" err="1"/>
+              <a:t>dayHigh</a:t>
+            </a:r>
+            <a:r>
+              <a:rPr lang="en-GB" dirty="0"/>
+              <a:t>" : 277.85000000,</a:t>
+            </a:r>
+          </a:p>
+          <a:p>
+            <a:pPr marL="0" indent="0">
+              <a:buNone/>
+            </a:pPr>
+            <a:r>
+              <a:rPr lang="en-GB" dirty="0"/>
+              <a:t>  "</a:t>
+            </a:r>
+            <a:r>
+              <a:rPr lang="en-GB" dirty="0" err="1"/>
+              <a:t>sharesOutstanding</a:t>
+            </a:r>
+            <a:r>
+              <a:rPr lang="en-GB" dirty="0"/>
+              <a:t>" : 4375479808,</a:t>
+            </a:r>
+          </a:p>
+          <a:p>
+            <a:pPr marL="0" indent="0">
+              <a:buNone/>
+            </a:pPr>
+            <a:r>
+              <a:rPr lang="en-GB" dirty="0"/>
+              <a:t>  "timestamp" : 1587637985</a:t>
+            </a:r>
+          </a:p>
+          <a:p>
+            <a:pPr marL="0" indent="0">
+              <a:buNone/>
+            </a:pPr>
+            <a:r>
+              <a:rPr lang="en-GB" dirty="0"/>
+              <a:t>} ]</a:t>
+            </a:r>
+          </a:p>
+        </p:txBody>
+      </p:sp>
+      <p:sp>
+        <p:nvSpPr>
+          <p:cNvPr id="5" name="Content Placeholder 4">
+            <a:extLst>
+              <a:ext uri="{FF2B5EF4-FFF2-40B4-BE49-F238E27FC236}">
+                <a16:creationId xmlns:a16="http://schemas.microsoft.com/office/drawing/2014/main" id="{EC9A02FA-951E-7C4C-ADA3-8C8E29CAFEF5}"/>
+              </a:ext>
+            </a:extLst>
+          </p:cNvPr>
+          <p:cNvSpPr>
+            <a:spLocks noGrp="1"/>
+          </p:cNvSpPr>
+          <p:nvPr>
+            <p:ph sz="half" idx="2"/>
+          </p:nvPr>
+        </p:nvSpPr>
+        <p:spPr/>
+        <p:txBody>
+          <a:bodyPr>
+            <a:normAutofit fontScale="55000" lnSpcReduction="20000"/>
+          </a:bodyPr>
+          <a:lstStyle/>
+          <a:p>
+            <a:pPr marL="0" indent="0">
+              <a:buNone/>
+            </a:pPr>
+            <a:r>
+              <a:rPr lang="en-GB" dirty="0">
                 <a:solidFill>
                   <a:schemeClr val="accent6">
                     <a:lumMod val="75000"/>
                   </a:schemeClr>
                 </a:solidFill>
               </a:rPr>
-              <a:t> </a:t>
-            </a:r>
-            <a:r>
-              <a:rPr lang="en-US" dirty="0"/>
-              <a:t>services. </a:t>
-            </a:r>
-          </a:p>
-          <a:p>
-            <a:pPr lvl="1"/>
-            <a:r>
-              <a:rPr lang="en-US" sz="2400" dirty="0">
-                <a:hlinkClick r:id="rId2"/>
+              <a:t>(HTTP Request) </a:t>
+            </a:r>
+          </a:p>
+          <a:p>
+            <a:pPr marL="0" indent="0">
+              <a:buNone/>
+            </a:pPr>
+            <a:r>
+              <a:rPr lang="en-GB" dirty="0"/>
+              <a:t>$ curl</a:t>
+            </a:r>
+          </a:p>
+          <a:p>
+            <a:pPr marL="0" indent="0">
+              <a:buNone/>
+            </a:pPr>
+            <a:r>
+              <a:rPr lang="en-GB" dirty="0"/>
+              <a:t>https://</a:t>
+            </a:r>
+            <a:r>
+              <a:rPr lang="en-GB" dirty="0" err="1"/>
+              <a:t>financialmodelingprep.com</a:t>
+            </a:r>
+            <a:r>
+              <a:rPr lang="en-GB" dirty="0"/>
+              <a:t>/</a:t>
+            </a:r>
+            <a:r>
+              <a:rPr lang="en-GB" dirty="0" err="1"/>
+              <a:t>api</a:t>
+            </a:r>
+            <a:r>
+              <a:rPr lang="en-GB" dirty="0"/>
+              <a:t>/v3/company/profile/AAPL</a:t>
+            </a:r>
+          </a:p>
+          <a:p>
+            <a:pPr marL="0" indent="0">
+              <a:buNone/>
+            </a:pPr>
+            <a:endParaRPr lang="en-GB" dirty="0">
+              <a:solidFill>
+                <a:schemeClr val="accent6">
+                  <a:lumMod val="75000"/>
+                </a:schemeClr>
+              </a:solidFill>
+            </a:endParaRPr>
+          </a:p>
+          <a:p>
+            <a:pPr marL="0" indent="0">
+              <a:buNone/>
+            </a:pPr>
+            <a:r>
+              <a:rPr lang="en-GB" dirty="0">
+                <a:solidFill>
+                  <a:schemeClr val="accent6">
+                    <a:lumMod val="75000"/>
+                  </a:schemeClr>
+                </a:solidFill>
               </a:rPr>
-              <a:t>https://www.instagram.com/developer/</a:t>
-            </a:r>
-            <a:endParaRPr lang="en-US" sz="2400" dirty="0"/>
-          </a:p>
-          <a:p>
-            <a:pPr lvl="1"/>
-            <a:r>
-              <a:rPr lang="en-US" sz="2400" dirty="0">
-                <a:hlinkClick r:id="rId3"/>
-              </a:rPr>
-              <a:t>https://developer.twitter.com/en/docs</a:t>
-            </a:r>
-            <a:endParaRPr lang="en-US" sz="2400" dirty="0"/>
-          </a:p>
-          <a:p>
-            <a:pPr lvl="1"/>
-            <a:r>
-              <a:rPr lang="en-US" sz="2400" dirty="0">
-                <a:hlinkClick r:id="rId4"/>
-              </a:rPr>
-              <a:t>https://developers.facebook.com/docs/graph-api</a:t>
-            </a:r>
-            <a:endParaRPr lang="en-US" sz="2400" dirty="0"/>
-          </a:p>
-          <a:p>
-            <a:pPr lvl="1"/>
-            <a:r>
-              <a:rPr lang="en-US" sz="2400" dirty="0">
-                <a:hlinkClick r:id="rId5"/>
-              </a:rPr>
-              <a:t>https://www.flickr.com/services/api/</a:t>
-            </a:r>
-            <a:endParaRPr lang="en-US" sz="2400" dirty="0"/>
-          </a:p>
-          <a:p>
-            <a:pPr lvl="1"/>
-            <a:r>
-              <a:rPr lang="en-US" sz="2400" dirty="0"/>
-              <a:t>https://</a:t>
-            </a:r>
-            <a:r>
-              <a:rPr lang="en-US" sz="2400" dirty="0" err="1"/>
-              <a:t>developer.foursquare.com</a:t>
-            </a:r>
-            <a:r>
-              <a:rPr lang="en-US" sz="2400" dirty="0"/>
-              <a:t>/</a:t>
-            </a:r>
-          </a:p>
-          <a:p>
-            <a:endParaRPr lang="en-US" dirty="0"/>
+              <a:t>(JSON Reply)</a:t>
+            </a:r>
+          </a:p>
+          <a:p>
+            <a:pPr marL="0" indent="0">
+              <a:buNone/>
+            </a:pPr>
+            <a:r>
+              <a:rPr lang="en-GB" dirty="0"/>
+              <a:t>{</a:t>
+            </a:r>
+          </a:p>
+          <a:p>
+            <a:pPr marL="0" indent="0">
+              <a:buNone/>
+            </a:pPr>
+            <a:r>
+              <a:rPr lang="en-GB" dirty="0"/>
+              <a:t>  "symbol" : "AAPL",</a:t>
+            </a:r>
+          </a:p>
+          <a:p>
+            <a:pPr marL="0" indent="0">
+              <a:buNone/>
+            </a:pPr>
+            <a:r>
+              <a:rPr lang="en-GB" dirty="0"/>
+              <a:t>  "profile" : {</a:t>
+            </a:r>
+          </a:p>
+          <a:p>
+            <a:pPr marL="0" indent="0">
+              <a:buNone/>
+            </a:pPr>
+            <a:r>
+              <a:rPr lang="en-GB" dirty="0"/>
+              <a:t>    "</a:t>
+            </a:r>
+            <a:r>
+              <a:rPr lang="en-GB" dirty="0" err="1"/>
+              <a:t>companyName</a:t>
+            </a:r>
+            <a:r>
+              <a:rPr lang="en-GB" dirty="0"/>
+              <a:t>" : "Apple Inc.",</a:t>
+            </a:r>
+          </a:p>
+          <a:p>
+            <a:pPr marL="0" indent="0">
+              <a:buNone/>
+            </a:pPr>
+            <a:r>
+              <a:rPr lang="en-GB" dirty="0"/>
+              <a:t>    "exchange" : "Nasdaq Global Select",</a:t>
+            </a:r>
+          </a:p>
+          <a:p>
+            <a:pPr marL="0" indent="0">
+              <a:buNone/>
+            </a:pPr>
+            <a:r>
+              <a:rPr lang="en-GB" dirty="0"/>
+              <a:t>    "industry" : "Computer Hardware",</a:t>
+            </a:r>
+          </a:p>
+          <a:p>
+            <a:pPr marL="0" indent="0">
+              <a:buNone/>
+            </a:pPr>
+            <a:r>
+              <a:rPr lang="en-GB" dirty="0"/>
+              <a:t>    "website" : "http://</a:t>
+            </a:r>
+            <a:r>
+              <a:rPr lang="en-GB" dirty="0" err="1"/>
+              <a:t>www.apple.com</a:t>
+            </a:r>
+            <a:r>
+              <a:rPr lang="en-GB" dirty="0"/>
+              <a:t>",</a:t>
+            </a:r>
+          </a:p>
+          <a:p>
+            <a:pPr marL="0" indent="0">
+              <a:buNone/>
+            </a:pPr>
+            <a:r>
+              <a:rPr lang="en-GB" dirty="0"/>
+              <a:t>    "</a:t>
+            </a:r>
+            <a:r>
+              <a:rPr lang="en-GB" dirty="0" err="1"/>
+              <a:t>ceo</a:t>
+            </a:r>
+            <a:r>
+              <a:rPr lang="en-GB" dirty="0"/>
+              <a:t>" : "Timothy D. Cook",</a:t>
+            </a:r>
+          </a:p>
+          <a:p>
+            <a:pPr marL="0" indent="0">
+              <a:buNone/>
+            </a:pPr>
+            <a:r>
+              <a:rPr lang="en-GB" dirty="0"/>
+              <a:t>    "sector" : "Technology",</a:t>
+            </a:r>
+          </a:p>
+          <a:p>
+            <a:pPr marL="0" indent="0">
+              <a:buNone/>
+            </a:pPr>
+            <a:r>
+              <a:rPr lang="en-GB" dirty="0"/>
+              <a:t>  }</a:t>
+            </a:r>
+          </a:p>
+          <a:p>
+            <a:pPr marL="0" indent="0">
+              <a:buNone/>
+            </a:pPr>
+            <a:r>
+              <a:rPr lang="en-GB" dirty="0"/>
+              <a:t>}</a:t>
+            </a:r>
+          </a:p>
+          <a:p>
+            <a:pPr marL="0" indent="0">
+              <a:buNone/>
+            </a:pPr>
+            <a:endParaRPr lang="en-GB" dirty="0"/>
           </a:p>
         </p:txBody>
       </p:sp>
     </p:spTree>
     <p:extLst>
       <p:ext uri="{BB962C8B-B14F-4D97-AF65-F5344CB8AC3E}">
-        <p14:creationId xmlns:p14="http://schemas.microsoft.com/office/powerpoint/2010/main" val="506789577"/>
+        <p14:creationId xmlns:p14="http://schemas.microsoft.com/office/powerpoint/2010/main" val="2575217913"/>
       </p:ext>
     </p:extLst>
   </p:cSld>
@@ -5571,7 +6335,7 @@
           <a:p>
             <a:r>
               <a:rPr lang="en-US" dirty="0"/>
-              <a:t>Major Concepts</a:t>
+              <a:t>Why Learn REST?</a:t>
             </a:r>
           </a:p>
         </p:txBody>
@@ -5588,40 +6352,112 @@
         </p:nvSpPr>
         <p:spPr/>
         <p:txBody>
-          <a:bodyPr>
-            <a:normAutofit/>
-          </a:bodyPr>
+          <a:bodyPr/>
           <a:lstStyle/>
           <a:p>
             <a:r>
               <a:rPr lang="en-US" dirty="0"/>
-              <a:t>Messages</a:t>
-            </a:r>
-          </a:p>
-          <a:p>
-            <a:r>
-              <a:rPr lang="en-US" dirty="0"/>
-              <a:t>Resources (URIs)</a:t>
-            </a:r>
-          </a:p>
-          <a:p>
-            <a:r>
-              <a:rPr lang="en-US" dirty="0"/>
-              <a:t>Representations</a:t>
-            </a:r>
-          </a:p>
-          <a:p>
-            <a:r>
-              <a:rPr lang="en-US" dirty="0"/>
-              <a:t>Stateless</a:t>
-            </a:r>
+              <a:t>A number of </a:t>
+            </a:r>
+            <a:r>
+              <a:rPr lang="en-US" dirty="0">
+                <a:solidFill>
+                  <a:schemeClr val="accent6">
+                    <a:lumMod val="75000"/>
+                  </a:schemeClr>
+                </a:solidFill>
+              </a:rPr>
+              <a:t>mobile apps are built upon </a:t>
+            </a:r>
+            <a:r>
+              <a:rPr lang="en-US" dirty="0" err="1">
+                <a:solidFill>
+                  <a:schemeClr val="accent6">
+                    <a:lumMod val="75000"/>
+                  </a:schemeClr>
+                </a:solidFill>
+              </a:rPr>
+              <a:t>RESTful</a:t>
+            </a:r>
+            <a:r>
+              <a:rPr lang="en-US" dirty="0">
+                <a:solidFill>
+                  <a:schemeClr val="accent6">
+                    <a:lumMod val="75000"/>
+                  </a:schemeClr>
+                </a:solidFill>
+              </a:rPr>
+              <a:t> </a:t>
+            </a:r>
+            <a:r>
+              <a:rPr lang="en-US" dirty="0"/>
+              <a:t>services. </a:t>
+            </a:r>
+          </a:p>
+          <a:p>
+            <a:pPr lvl="1"/>
+            <a:r>
+              <a:rPr lang="en-US" sz="2400" dirty="0">
+                <a:hlinkClick r:id="rId2"/>
+              </a:rPr>
+              <a:t>https://www.instagram.com/developer/</a:t>
+            </a:r>
+            <a:endParaRPr lang="en-US" sz="2400" dirty="0"/>
+          </a:p>
+          <a:p>
+            <a:pPr lvl="1"/>
+            <a:r>
+              <a:rPr lang="en-US" sz="2400" dirty="0">
+                <a:hlinkClick r:id="rId3"/>
+              </a:rPr>
+              <a:t>https://developer.twitter.com/en/docs</a:t>
+            </a:r>
+            <a:endParaRPr lang="en-US" sz="2400" dirty="0"/>
+          </a:p>
+          <a:p>
+            <a:pPr lvl="1"/>
+            <a:r>
+              <a:rPr lang="en-US" sz="2400" dirty="0">
+                <a:hlinkClick r:id="rId4"/>
+              </a:rPr>
+              <a:t>https://developers.facebook.com/docs/graph-api</a:t>
+            </a:r>
+            <a:endParaRPr lang="en-US" sz="2400" dirty="0"/>
+          </a:p>
+          <a:p>
+            <a:pPr lvl="1"/>
+            <a:r>
+              <a:rPr lang="en-US" sz="2400" dirty="0">
+                <a:hlinkClick r:id="rId5"/>
+              </a:rPr>
+              <a:t>https://www.flickr.com/services/api/</a:t>
+            </a:r>
+            <a:endParaRPr lang="en-US" sz="2400" dirty="0"/>
+          </a:p>
+          <a:p>
+            <a:pPr lvl="1"/>
+            <a:r>
+              <a:rPr lang="en-US" sz="2400" dirty="0"/>
+              <a:t>https://</a:t>
+            </a:r>
+            <a:r>
+              <a:rPr lang="en-US" sz="2400" dirty="0" err="1"/>
+              <a:t>developer.foursquare.com</a:t>
+            </a:r>
+            <a:r>
+              <a:rPr lang="en-US" sz="2400" dirty="0"/>
+              <a:t>/</a:t>
+            </a:r>
+          </a:p>
+          <a:p>
+            <a:endParaRPr lang="en-US" dirty="0"/>
           </a:p>
         </p:txBody>
       </p:sp>
     </p:spTree>
     <p:extLst>
       <p:ext uri="{BB962C8B-B14F-4D97-AF65-F5344CB8AC3E}">
-        <p14:creationId xmlns:p14="http://schemas.microsoft.com/office/powerpoint/2010/main" val="3665158656"/>
+        <p14:creationId xmlns:p14="http://schemas.microsoft.com/office/powerpoint/2010/main" val="506789577"/>
       </p:ext>
     </p:extLst>
   </p:cSld>
@@ -5665,7 +6501,7 @@
           <a:p>
             <a:r>
               <a:rPr lang="en-US" dirty="0"/>
-              <a:t>Messages</a:t>
+              <a:t>Major Concepts</a:t>
             </a:r>
           </a:p>
         </p:txBody>
@@ -5689,45 +6525,31 @@
           <a:p>
             <a:r>
               <a:rPr lang="en-US" dirty="0"/>
-              <a:t>The client and service talk to each other via messages. </a:t>
-            </a:r>
-            <a:r>
-              <a:rPr lang="en-US" dirty="0">
-                <a:solidFill>
-                  <a:srgbClr val="E46C0A"/>
-                </a:solidFill>
-              </a:rPr>
-              <a:t>Clients send a request to the server, and the server replies with a response. </a:t>
-            </a:r>
-            <a:r>
-              <a:rPr lang="en-US" dirty="0"/>
-              <a:t>Apart from the actual data, these messages also contain some metadata about the message. </a:t>
-            </a:r>
-          </a:p>
-          <a:p>
-            <a:r>
-              <a:rPr lang="en-US" dirty="0"/>
-              <a:t>It is important to have some background about the </a:t>
-            </a:r>
-            <a:r>
-              <a:rPr lang="en-US" dirty="0">
-                <a:solidFill>
-                  <a:srgbClr val="E46C0A"/>
-                </a:solidFill>
-              </a:rPr>
-              <a:t>HTTP 1.1 </a:t>
-            </a:r>
-            <a:r>
-              <a:rPr lang="en-US" dirty="0"/>
-              <a:t>request and response formats for designing </a:t>
-            </a:r>
-            <a:r>
-              <a:rPr lang="en-US" dirty="0" err="1"/>
-              <a:t>RESTful</a:t>
-            </a:r>
-            <a:r>
-              <a:rPr lang="en-US" dirty="0"/>
-              <a:t> Web services.</a:t>
+              <a:t>Messages</a:t>
+            </a:r>
+          </a:p>
+          <a:p>
+            <a:r>
+              <a:rPr lang="en-US" dirty="0"/>
+              <a:t>Resources (URIs)</a:t>
+            </a:r>
+          </a:p>
+          <a:p>
+            <a:r>
+              <a:rPr lang="en-US" dirty="0"/>
+              <a:t>Representations</a:t>
+            </a:r>
+          </a:p>
+          <a:p>
+            <a:r>
+              <a:rPr lang="en-US" dirty="0"/>
+              <a:t>Operations</a:t>
+            </a:r>
+          </a:p>
+          <a:p>
+            <a:r>
+              <a:rPr lang="en-US" i="1" dirty="0"/>
+              <a:t>Statelessness</a:t>
             </a:r>
           </a:p>
         </p:txBody>
@@ -5735,7 +6557,7 @@
     </p:spTree>
     <p:extLst>
       <p:ext uri="{BB962C8B-B14F-4D97-AF65-F5344CB8AC3E}">
-        <p14:creationId xmlns:p14="http://schemas.microsoft.com/office/powerpoint/2010/main" val="1133054204"/>
+        <p14:creationId xmlns:p14="http://schemas.microsoft.com/office/powerpoint/2010/main" val="3665158656"/>
       </p:ext>
     </p:extLst>
   </p:cSld>
@@ -5779,125 +6601,51 @@
           <a:p>
             <a:r>
               <a:rPr lang="en-US" dirty="0"/>
-              <a:t>HTTP Messages</a:t>
-            </a:r>
-          </a:p>
-        </p:txBody>
-      </p:sp>
-      <p:pic>
-        <p:nvPicPr>
-          <p:cNvPr id="4" name="Picture 3" descr="Screen Shot 2017-05-15 at 23.52.28.png"/>
-          <p:cNvPicPr>
-            <a:picLocks noChangeAspect="1"/>
-          </p:cNvPicPr>
-          <p:nvPr/>
-        </p:nvPicPr>
-        <p:blipFill>
-          <a:blip r:embed="rId2">
-            <a:extLst>
-              <a:ext uri="{28A0092B-C50C-407E-A947-70E740481C1C}">
-                <a14:useLocalDpi xmlns:a14="http://schemas.microsoft.com/office/drawing/2010/main" val="0"/>
-              </a:ext>
-            </a:extLst>
-          </a:blip>
-          <a:stretch>
-            <a:fillRect/>
-          </a:stretch>
-        </p:blipFill>
-        <p:spPr>
-          <a:xfrm>
-            <a:off x="457200" y="1537858"/>
-            <a:ext cx="4914900" cy="1809750"/>
-          </a:xfrm>
-          <a:prstGeom prst="rect">
-            <a:avLst/>
-          </a:prstGeom>
-        </p:spPr>
-      </p:pic>
-      <p:sp>
-        <p:nvSpPr>
-          <p:cNvPr id="6" name="TextBox 5"/>
-          <p:cNvSpPr txBox="1"/>
-          <p:nvPr/>
-        </p:nvSpPr>
-        <p:spPr>
-          <a:xfrm>
-            <a:off x="461490" y="3241355"/>
-            <a:ext cx="1877437" cy="369332"/>
-          </a:xfrm>
-          <a:prstGeom prst="rect">
-            <a:avLst/>
-          </a:prstGeom>
-          <a:noFill/>
-        </p:spPr>
-        <p:txBody>
-          <a:bodyPr wrap="none" rtlCol="0">
-            <a:spAutoFit/>
+              <a:t>Messages</a:t>
+            </a:r>
+          </a:p>
+        </p:txBody>
+      </p:sp>
+      <p:sp>
+        <p:nvSpPr>
+          <p:cNvPr id="3" name="Content Placeholder 2"/>
+          <p:cNvSpPr>
+            <a:spLocks noGrp="1"/>
+          </p:cNvSpPr>
+          <p:nvPr>
+            <p:ph idx="1"/>
+          </p:nvPr>
+        </p:nvSpPr>
+        <p:spPr/>
+        <p:txBody>
+          <a:bodyPr>
+            <a:normAutofit/>
           </a:bodyPr>
           <a:lstStyle/>
           <a:p>
             <a:r>
               <a:rPr lang="en-US" dirty="0"/>
-              <a:t>HTTP/1.1 Request</a:t>
-            </a:r>
-          </a:p>
-        </p:txBody>
-      </p:sp>
-      <p:pic>
-        <p:nvPicPr>
-          <p:cNvPr id="7" name="Picture 6" descr="Screen Shot 2017-05-15 at 23.52.32.png"/>
-          <p:cNvPicPr>
-            <a:picLocks noChangeAspect="1"/>
-          </p:cNvPicPr>
-          <p:nvPr/>
-        </p:nvPicPr>
-        <p:blipFill>
-          <a:blip r:embed="rId3">
-            <a:extLst>
-              <a:ext uri="{28A0092B-C50C-407E-A947-70E740481C1C}">
-                <a14:useLocalDpi xmlns:a14="http://schemas.microsoft.com/office/drawing/2010/main" val="0"/>
-              </a:ext>
-            </a:extLst>
-          </a:blip>
-          <a:stretch>
-            <a:fillRect/>
-          </a:stretch>
-        </p:blipFill>
-        <p:spPr>
-          <a:xfrm>
-            <a:off x="467783" y="3733727"/>
-            <a:ext cx="4914900" cy="1803400"/>
-          </a:xfrm>
-          <a:prstGeom prst="rect">
-            <a:avLst/>
-          </a:prstGeom>
-        </p:spPr>
-      </p:pic>
-      <p:sp>
-        <p:nvSpPr>
-          <p:cNvPr id="9" name="TextBox 8"/>
-          <p:cNvSpPr txBox="1"/>
-          <p:nvPr/>
-        </p:nvSpPr>
-        <p:spPr>
-          <a:xfrm>
-            <a:off x="422748" y="5373017"/>
-            <a:ext cx="2006191" cy="369332"/>
-          </a:xfrm>
-          <a:prstGeom prst="rect">
-            <a:avLst/>
-          </a:prstGeom>
-          <a:noFill/>
-        </p:spPr>
-        <p:txBody>
-          <a:bodyPr wrap="none" rtlCol="0">
-            <a:spAutoFit/>
-          </a:bodyPr>
-          <a:lstStyle/>
-          <a:p>
-            <a:r>
-              <a:rPr lang="en-US" dirty="0"/>
-              <a:t>HTTP/1.1 Response</a:t>
+              <a:t>Clients and REST services talk to each other via messages. </a:t>
+            </a:r>
+            <a:r>
+              <a:rPr lang="en-US" dirty="0">
+                <a:solidFill>
+                  <a:srgbClr val="E46C0A"/>
+                </a:solidFill>
+              </a:rPr>
+              <a:t>Clients send a HTTP request to the server, and the server replies with a HTTP response. </a:t>
+            </a:r>
+          </a:p>
+          <a:p>
+            <a:r>
+              <a:rPr lang="en-US" dirty="0"/>
+              <a:t>Request and response contain both metadata and content</a:t>
+            </a:r>
+          </a:p>
+          <a:p>
+            <a:r>
+              <a:rPr lang="en-US" dirty="0"/>
+              <a:t>Response content is usually represented in XML or JSON</a:t>
             </a:r>
           </a:p>
         </p:txBody>
@@ -5905,7 +6653,7 @@
     </p:spTree>
     <p:extLst>
       <p:ext uri="{BB962C8B-B14F-4D97-AF65-F5344CB8AC3E}">
-        <p14:creationId xmlns:p14="http://schemas.microsoft.com/office/powerpoint/2010/main" val="2020477936"/>
+        <p14:creationId xmlns:p14="http://schemas.microsoft.com/office/powerpoint/2010/main" val="1133054204"/>
       </p:ext>
     </p:extLst>
   </p:cSld>
@@ -5949,73 +6697,75 @@
           <a:p>
             <a:r>
               <a:rPr lang="en-US" dirty="0"/>
-              <a:t>Resources</a:t>
-            </a:r>
-          </a:p>
-        </p:txBody>
-      </p:sp>
-      <p:sp>
-        <p:nvSpPr>
-          <p:cNvPr id="3" name="Content Placeholder 2"/>
-          <p:cNvSpPr>
-            <a:spLocks noGrp="1"/>
-          </p:cNvSpPr>
-          <p:nvPr>
-            <p:ph idx="1"/>
-          </p:nvPr>
-        </p:nvSpPr>
-        <p:spPr/>
-        <p:txBody>
-          <a:bodyPr>
-            <a:normAutofit/>
-          </a:bodyPr>
-          <a:lstStyle/>
-          <a:p>
-            <a:r>
-              <a:rPr lang="en-US" dirty="0">
-                <a:solidFill>
-                  <a:srgbClr val="E46C0A"/>
-                </a:solidFill>
-              </a:rPr>
-              <a:t>Every system uses resources. </a:t>
-            </a:r>
-            <a:r>
-              <a:rPr lang="en-US" dirty="0"/>
-              <a:t>Resources can be pictures, videos, users data </a:t>
-            </a:r>
-            <a:r>
-              <a:rPr lang="en-US" dirty="0" err="1"/>
-              <a:t>ecc</a:t>
-            </a:r>
-            <a:r>
-              <a:rPr lang="en-US" dirty="0"/>
-              <a:t>... The purpose of a service is to provide an access to resources to its clients. Service architects and developers want services to be </a:t>
-            </a:r>
-            <a:r>
-              <a:rPr lang="en-US" dirty="0">
-                <a:solidFill>
-                  <a:srgbClr val="E46C0A"/>
-                </a:solidFill>
-              </a:rPr>
-              <a:t>easy to implement, maintainable, extensible, and scalable</a:t>
-            </a:r>
-            <a:r>
-              <a:rPr lang="en-US" dirty="0"/>
-              <a:t>. </a:t>
-            </a:r>
-          </a:p>
-          <a:p>
-            <a:pPr marL="0" indent="0">
-              <a:buNone/>
-            </a:pPr>
-            <a:endParaRPr lang="en-US" dirty="0"/>
-          </a:p>
-        </p:txBody>
-      </p:sp>
+              <a:t>HTTP/1.1 Request</a:t>
+            </a:r>
+          </a:p>
+        </p:txBody>
+      </p:sp>
+      <p:pic>
+        <p:nvPicPr>
+          <p:cNvPr id="4" name="Picture 3" descr="Screen Shot 2017-05-15 at 23.52.28.png"/>
+          <p:cNvPicPr>
+            <a:picLocks noChangeAspect="1"/>
+          </p:cNvPicPr>
+          <p:nvPr/>
+        </p:nvPicPr>
+        <p:blipFill>
+          <a:blip r:embed="rId2">
+            <a:extLst>
+              <a:ext uri="{28A0092B-C50C-407E-A947-70E740481C1C}">
+                <a14:useLocalDpi xmlns:a14="http://schemas.microsoft.com/office/drawing/2010/main" val="0"/>
+              </a:ext>
+            </a:extLst>
+          </a:blip>
+          <a:stretch>
+            <a:fillRect/>
+          </a:stretch>
+        </p:blipFill>
+        <p:spPr>
+          <a:xfrm>
+            <a:off x="2114550" y="4539699"/>
+            <a:ext cx="4914900" cy="1809750"/>
+          </a:xfrm>
+          <a:prstGeom prst="rect">
+            <a:avLst/>
+          </a:prstGeom>
+        </p:spPr>
+      </p:pic>
+      <p:pic>
+        <p:nvPicPr>
+          <p:cNvPr id="10" name="Picture 9">
+            <a:extLst>
+              <a:ext uri="{FF2B5EF4-FFF2-40B4-BE49-F238E27FC236}">
+                <a16:creationId xmlns:a16="http://schemas.microsoft.com/office/drawing/2014/main" id="{26F00EDC-4DE8-0149-90DE-4FF8980A6B4E}"/>
+              </a:ext>
+            </a:extLst>
+          </p:cNvPr>
+          <p:cNvPicPr>
+            <a:picLocks noChangeAspect="1"/>
+          </p:cNvPicPr>
+          <p:nvPr/>
+        </p:nvPicPr>
+        <p:blipFill>
+          <a:blip r:embed="rId3"/>
+          <a:stretch>
+            <a:fillRect/>
+          </a:stretch>
+        </p:blipFill>
+        <p:spPr>
+          <a:xfrm>
+            <a:off x="644513" y="1679944"/>
+            <a:ext cx="7956591" cy="2668369"/>
+          </a:xfrm>
+          <a:prstGeom prst="rect">
+            <a:avLst/>
+          </a:prstGeom>
+        </p:spPr>
+      </p:pic>
     </p:spTree>
     <p:extLst>
       <p:ext uri="{BB962C8B-B14F-4D97-AF65-F5344CB8AC3E}">
-        <p14:creationId xmlns:p14="http://schemas.microsoft.com/office/powerpoint/2010/main" val="1831157336"/>
+        <p14:creationId xmlns:p14="http://schemas.microsoft.com/office/powerpoint/2010/main" val="2020477936"/>
       </p:ext>
     </p:extLst>
   </p:cSld>
@@ -6059,185 +6809,75 @@
           <a:p>
             <a:r>
               <a:rPr lang="en-US" dirty="0"/>
-              <a:t>Resources</a:t>
-            </a:r>
-          </a:p>
-        </p:txBody>
-      </p:sp>
-      <p:sp>
-        <p:nvSpPr>
-          <p:cNvPr id="3" name="Content Placeholder 2"/>
-          <p:cNvSpPr>
-            <a:spLocks noGrp="1"/>
-          </p:cNvSpPr>
-          <p:nvPr>
-            <p:ph idx="1"/>
-          </p:nvPr>
-        </p:nvSpPr>
-        <p:spPr/>
-        <p:txBody>
-          <a:bodyPr>
-            <a:noAutofit/>
-          </a:bodyPr>
-          <a:lstStyle/>
-          <a:p>
-            <a:pPr marL="0" indent="0">
-              <a:buNone/>
-            </a:pPr>
-            <a:r>
-              <a:rPr lang="en-US" sz="2000" b="1" dirty="0"/>
-              <a:t>Place details</a:t>
-            </a:r>
-          </a:p>
-          <a:p>
-            <a:pPr marL="0" indent="0">
-              <a:buNone/>
-            </a:pPr>
-            <a:r>
-              <a:rPr lang="en-US" sz="2000" dirty="0"/>
-              <a:t>https://</a:t>
-            </a:r>
-            <a:r>
-              <a:rPr lang="en-US" sz="2000" dirty="0" err="1"/>
-              <a:t>api.foursquare.com</a:t>
-            </a:r>
-            <a:r>
-              <a:rPr lang="en-US" sz="2000" dirty="0"/>
-              <a:t>/v2/venues/VENUE_ID</a:t>
-            </a:r>
-          </a:p>
-          <a:p>
-            <a:pPr marL="0" indent="0">
-              <a:buNone/>
-            </a:pPr>
-            <a:endParaRPr lang="en-US" sz="2000" dirty="0"/>
-          </a:p>
-          <a:p>
-            <a:pPr marL="0" indent="0">
-              <a:buNone/>
-            </a:pPr>
-            <a:r>
-              <a:rPr lang="en-US" sz="2000" b="1" dirty="0"/>
-              <a:t>Photos details</a:t>
-            </a:r>
-          </a:p>
-          <a:p>
-            <a:pPr marL="0" indent="0">
-              <a:buNone/>
-            </a:pPr>
-            <a:r>
-              <a:rPr lang="en-US" sz="2000" dirty="0"/>
-              <a:t>https://</a:t>
-            </a:r>
-            <a:r>
-              <a:rPr lang="en-US" sz="2000" dirty="0" err="1"/>
-              <a:t>api.foursquare.com</a:t>
-            </a:r>
-            <a:r>
-              <a:rPr lang="en-US" sz="2000" dirty="0"/>
-              <a:t>/v2/photos/PHOTO_ID</a:t>
-            </a:r>
-          </a:p>
-          <a:p>
-            <a:pPr marL="0" indent="0">
-              <a:buNone/>
-            </a:pPr>
-            <a:endParaRPr lang="en-US" sz="2000" b="1" dirty="0"/>
-          </a:p>
-          <a:p>
-            <a:pPr marL="0" indent="0">
-              <a:buNone/>
-            </a:pPr>
-            <a:r>
-              <a:rPr lang="en-US" sz="2000" b="1" dirty="0"/>
-              <a:t>Search for a user</a:t>
-            </a:r>
-          </a:p>
-          <a:p>
-            <a:pPr marL="0" indent="0">
-              <a:buNone/>
-            </a:pPr>
-            <a:r>
-              <a:rPr lang="en-US" sz="2000" dirty="0"/>
-              <a:t>https://</a:t>
-            </a:r>
-            <a:r>
-              <a:rPr lang="en-US" sz="2000" dirty="0" err="1"/>
-              <a:t>api.foursquare.com</a:t>
-            </a:r>
-            <a:r>
-              <a:rPr lang="en-US" sz="2000" dirty="0"/>
-              <a:t>/v2/users/search</a:t>
-            </a:r>
-          </a:p>
-          <a:p>
-            <a:pPr marL="0" indent="0">
-              <a:buNone/>
-            </a:pPr>
-            <a:endParaRPr lang="en-US" sz="2000" dirty="0"/>
-          </a:p>
-          <a:p>
-            <a:pPr marL="0" indent="0">
-              <a:buNone/>
-            </a:pPr>
-            <a:r>
-              <a:rPr lang="en-US" sz="2000" b="1" dirty="0"/>
-              <a:t>Recent </a:t>
-            </a:r>
-            <a:r>
-              <a:rPr lang="en-US" sz="2000" b="1" dirty="0" err="1"/>
-              <a:t>checkins</a:t>
-            </a:r>
-            <a:r>
-              <a:rPr lang="en-US" sz="2000" b="1" dirty="0"/>
-              <a:t> by friends</a:t>
-            </a:r>
-          </a:p>
-          <a:p>
-            <a:pPr marL="0" indent="0">
-              <a:buNone/>
-            </a:pPr>
-            <a:r>
-              <a:rPr lang="en-US" sz="2000" dirty="0"/>
-              <a:t>https://api.foursquare.com/v2/checkins/recent</a:t>
-            </a:r>
-          </a:p>
-          <a:p>
-            <a:pPr marL="0" indent="0">
-              <a:buNone/>
-            </a:pPr>
-            <a:endParaRPr lang="en-US" sz="2000" b="1" dirty="0"/>
-          </a:p>
-          <a:p>
-            <a:pPr marL="0" indent="0">
-              <a:buNone/>
-            </a:pPr>
-            <a:endParaRPr lang="en-US" sz="2000" dirty="0"/>
-          </a:p>
-          <a:p>
-            <a:pPr marL="0" indent="0">
-              <a:buNone/>
-            </a:pPr>
-            <a:endParaRPr lang="en-US" sz="2000" dirty="0"/>
-          </a:p>
-          <a:p>
-            <a:pPr marL="0" indent="0">
-              <a:buNone/>
-            </a:pPr>
-            <a:endParaRPr lang="en-US" sz="2000" dirty="0"/>
-          </a:p>
-          <a:p>
-            <a:pPr marL="0" indent="0">
-              <a:buNone/>
-            </a:pPr>
-            <a:endParaRPr lang="en-US" sz="2000" dirty="0"/>
-          </a:p>
-        </p:txBody>
-      </p:sp>
+              <a:t>HTTP/1.1 Response</a:t>
+            </a:r>
+          </a:p>
+        </p:txBody>
+      </p:sp>
+      <p:pic>
+        <p:nvPicPr>
+          <p:cNvPr id="7" name="Picture 6" descr="Screen Shot 2017-05-15 at 23.52.32.png"/>
+          <p:cNvPicPr>
+            <a:picLocks noChangeAspect="1"/>
+          </p:cNvPicPr>
+          <p:nvPr/>
+        </p:nvPicPr>
+        <p:blipFill>
+          <a:blip r:embed="rId2">
+            <a:extLst>
+              <a:ext uri="{28A0092B-C50C-407E-A947-70E740481C1C}">
+                <a14:useLocalDpi xmlns:a14="http://schemas.microsoft.com/office/drawing/2010/main" val="0"/>
+              </a:ext>
+            </a:extLst>
+          </a:blip>
+          <a:stretch>
+            <a:fillRect/>
+          </a:stretch>
+        </p:blipFill>
+        <p:spPr>
+          <a:xfrm>
+            <a:off x="2114550" y="4786351"/>
+            <a:ext cx="4914900" cy="1803400"/>
+          </a:xfrm>
+          <a:prstGeom prst="rect">
+            <a:avLst/>
+          </a:prstGeom>
+        </p:spPr>
+      </p:pic>
+      <p:pic>
+        <p:nvPicPr>
+          <p:cNvPr id="3" name="Picture 2">
+            <a:extLst>
+              <a:ext uri="{FF2B5EF4-FFF2-40B4-BE49-F238E27FC236}">
+                <a16:creationId xmlns:a16="http://schemas.microsoft.com/office/drawing/2014/main" id="{D18686D3-0FEF-7E4B-887F-D0F0C8F53238}"/>
+              </a:ext>
+            </a:extLst>
+          </p:cNvPr>
+          <p:cNvPicPr>
+            <a:picLocks noChangeAspect="1"/>
+          </p:cNvPicPr>
+          <p:nvPr/>
+        </p:nvPicPr>
+        <p:blipFill>
+          <a:blip r:embed="rId3"/>
+          <a:stretch>
+            <a:fillRect/>
+          </a:stretch>
+        </p:blipFill>
+        <p:spPr>
+          <a:xfrm>
+            <a:off x="539485" y="1587757"/>
+            <a:ext cx="8065029" cy="3047298"/>
+          </a:xfrm>
+          <a:prstGeom prst="rect">
+            <a:avLst/>
+          </a:prstGeom>
+        </p:spPr>
+      </p:pic>
     </p:spTree>
     <p:extLst>
       <p:ext uri="{BB962C8B-B14F-4D97-AF65-F5344CB8AC3E}">
-        <p14:creationId xmlns:p14="http://schemas.microsoft.com/office/powerpoint/2010/main" val="1939017365"/>
+        <p14:creationId xmlns:p14="http://schemas.microsoft.com/office/powerpoint/2010/main" val="3795300897"/>
       </p:ext>
     </p:extLst>
   </p:cSld>
@@ -6281,7 +6921,7 @@
           <a:p>
             <a:r>
               <a:rPr lang="en-US" dirty="0"/>
-              <a:t>Representations</a:t>
+              <a:t>Resources</a:t>
             </a:r>
           </a:p>
         </p:txBody>
@@ -6299,7 +6939,7 @@
         <p:spPr/>
         <p:txBody>
           <a:bodyPr>
-            <a:normAutofit fontScale="92500"/>
+            <a:normAutofit/>
           </a:bodyPr>
           <a:lstStyle/>
           <a:p>
@@ -6309,59 +6949,67 @@
                   <a:srgbClr val="E46C0A"/>
                 </a:solidFill>
               </a:rPr>
-              <a:t>The focus of a </a:t>
-            </a:r>
-            <a:r>
-              <a:rPr lang="en-US" dirty="0" err="1">
+              <a:t>Every system uses resources. </a:t>
+            </a:r>
+            <a:r>
+              <a:rPr lang="en-US" dirty="0"/>
+              <a:t>Resources can be pictures, videos, users data </a:t>
+            </a:r>
+            <a:r>
+              <a:rPr lang="en-US" dirty="0" err="1"/>
+              <a:t>ecc</a:t>
+            </a:r>
+            <a:r>
+              <a:rPr lang="en-US" dirty="0"/>
+              <a:t>... </a:t>
+            </a:r>
+          </a:p>
+          <a:p>
+            <a:r>
+              <a:rPr lang="en-US" dirty="0">
+                <a:solidFill>
+                  <a:schemeClr val="accent6">
+                    <a:lumMod val="75000"/>
+                  </a:schemeClr>
+                </a:solidFill>
+              </a:rPr>
+              <a:t>The purpose of a service is to provide access to resources.</a:t>
+            </a:r>
+            <a:r>
+              <a:rPr lang="en-US" dirty="0"/>
+              <a:t> </a:t>
+            </a:r>
+          </a:p>
+          <a:p>
+            <a:r>
+              <a:rPr lang="en-US" dirty="0"/>
+              <a:t>Developers want services to be </a:t>
+            </a:r>
+            <a:r>
+              <a:rPr lang="en-US" dirty="0">
                 <a:solidFill>
                   <a:srgbClr val="E46C0A"/>
                 </a:solidFill>
               </a:rPr>
-              <a:t>RESTful</a:t>
-            </a:r>
-            <a:r>
-              <a:rPr lang="en-US" dirty="0">
-                <a:solidFill>
-                  <a:srgbClr val="E46C0A"/>
-                </a:solidFill>
-              </a:rPr>
-              <a:t> service is on resources and how to provide access to these resources</a:t>
-            </a:r>
-            <a:r>
-              <a:rPr lang="en-US" dirty="0"/>
-              <a:t>. A resource can be thought of as an object as in OOP. A resource can consist of other resources. </a:t>
-            </a:r>
-          </a:p>
-          <a:p>
-            <a:r>
-              <a:rPr lang="en-US" dirty="0"/>
-              <a:t>While designing a system, the first thing to do is identify the resources and determine how they are related to each other. </a:t>
-            </a:r>
-          </a:p>
-          <a:p>
-            <a:r>
-              <a:rPr lang="en-US" dirty="0"/>
-              <a:t>This is </a:t>
-            </a:r>
-            <a:r>
-              <a:rPr lang="en-US" dirty="0">
-                <a:solidFill>
-                  <a:srgbClr val="E46C0A"/>
-                </a:solidFill>
-              </a:rPr>
-              <a:t>similar to designing a database</a:t>
-            </a:r>
-            <a:r>
-              <a:rPr lang="en-US" dirty="0"/>
-              <a:t>: Identify entities and relations.</a:t>
-            </a:r>
+              <a:t>easy to implement, maintain, extend, and eventually scale up</a:t>
+            </a:r>
+            <a:r>
+              <a:rPr lang="en-US" dirty="0"/>
+              <a:t>. </a:t>
+            </a:r>
+          </a:p>
+          <a:p>
+            <a:pPr marL="0" indent="0">
+              <a:buNone/>
+            </a:pPr>
+            <a:endParaRPr lang="en-US" dirty="0"/>
           </a:p>
         </p:txBody>
       </p:sp>
     </p:spTree>
     <p:extLst>
       <p:ext uri="{BB962C8B-B14F-4D97-AF65-F5344CB8AC3E}">
-        <p14:creationId xmlns:p14="http://schemas.microsoft.com/office/powerpoint/2010/main" val="3765763641"/>
+        <p14:creationId xmlns:p14="http://schemas.microsoft.com/office/powerpoint/2010/main" val="1831157336"/>
       </p:ext>
     </p:extLst>
   </p:cSld>
